--- a/JmcProject.pptx
+++ b/JmcProject.pptx
@@ -6284,10 +6284,10 @@
           <a:lstStyle/>
           <a:p>
             <a:r>
-              <a:rPr lang="ko-KR" altLang="en-US" b="1" dirty="0" smtClean="0">
+              <a:rPr lang="ko-KR" altLang="en-US" b="1" dirty="0">
                 <a:effectLst/>
               </a:rPr>
-              <a:t>주요 기능 및 코드 리뷰</a:t>
+              <a:t>화면 구현</a:t>
             </a:r>
             <a:endParaRPr lang="ko-KR" altLang="en-US" dirty="0"/>
           </a:p>
@@ -6671,10 +6671,10 @@
           <a:lstStyle/>
           <a:p>
             <a:r>
-              <a:rPr lang="ko-KR" altLang="en-US" b="1" dirty="0" smtClean="0">
+              <a:rPr lang="ko-KR" altLang="en-US" b="1" dirty="0">
                 <a:effectLst/>
               </a:rPr>
-              <a:t>주요 기능 및 코드 리뷰</a:t>
+              <a:t>화면 구현</a:t>
             </a:r>
             <a:endParaRPr lang="ko-KR" altLang="en-US" dirty="0"/>
           </a:p>
@@ -7772,7 +7772,7 @@
         <p:spPr>
           <a:xfrm>
             <a:off x="215955" y="1962879"/>
-            <a:ext cx="2757400" cy="323165"/>
+            <a:ext cx="2757400" cy="2169825"/>
           </a:xfrm>
           <a:prstGeom prst="rect">
             <a:avLst/>
@@ -7786,11 +7786,88 @@
           <a:lstStyle/>
           <a:p>
             <a:r>
-              <a:rPr lang="ko-KR" altLang="en-US" sz="1500" dirty="0" err="1" smtClean="0">
+              <a:rPr lang="ko-KR" altLang="en-US" sz="1500" dirty="0">
                 <a:latin typeface="+mj-ea"/>
                 <a:ea typeface="+mj-ea"/>
               </a:rPr>
-              <a:t>프</a:t>
+              <a:t>프로그램을 만들 때 단순하게 화면을 구성하고 기능을 구현하는 기술만 </a:t>
+            </a:r>
+            <a:r>
+              <a:rPr lang="ko-KR" altLang="en-US" sz="1500" dirty="0" err="1">
+                <a:latin typeface="+mj-ea"/>
+                <a:ea typeface="+mj-ea"/>
+              </a:rPr>
+              <a:t>필요한게</a:t>
+            </a:r>
+            <a:r>
+              <a:rPr lang="ko-KR" altLang="en-US" sz="1500" dirty="0">
+                <a:latin typeface="+mj-ea"/>
+                <a:ea typeface="+mj-ea"/>
+              </a:rPr>
+              <a:t> 아니라 중복된 기능들이 생기지 않게끔 코드를 재사용하고</a:t>
+            </a:r>
+            <a:r>
+              <a:rPr lang="en-US" altLang="ko-KR" sz="1500" dirty="0">
+                <a:latin typeface="+mj-ea"/>
+                <a:ea typeface="+mj-ea"/>
+              </a:rPr>
+              <a:t>, </a:t>
+            </a:r>
+            <a:r>
+              <a:rPr lang="ko-KR" altLang="en-US" sz="1500" dirty="0">
+                <a:latin typeface="+mj-ea"/>
+                <a:ea typeface="+mj-ea"/>
+              </a:rPr>
+              <a:t>동료들이 읽기 편하게 </a:t>
+            </a:r>
+            <a:r>
+              <a:rPr lang="ko-KR" altLang="en-US" sz="1500" dirty="0" err="1">
+                <a:latin typeface="+mj-ea"/>
+                <a:ea typeface="+mj-ea"/>
+              </a:rPr>
+              <a:t>가독성이</a:t>
+            </a:r>
+            <a:r>
+              <a:rPr lang="ko-KR" altLang="en-US" sz="1500" dirty="0">
+                <a:latin typeface="+mj-ea"/>
+                <a:ea typeface="+mj-ea"/>
+              </a:rPr>
+              <a:t> 좋은 코드를 쓰는 등 </a:t>
+            </a:r>
+            <a:r>
+              <a:rPr lang="ko-KR" altLang="en-US" sz="1500" dirty="0" err="1">
+                <a:latin typeface="+mj-ea"/>
+                <a:ea typeface="+mj-ea"/>
+              </a:rPr>
+              <a:t>신경쓸</a:t>
+            </a:r>
+            <a:r>
+              <a:rPr lang="ko-KR" altLang="en-US" sz="1500" dirty="0">
+                <a:latin typeface="+mj-ea"/>
+                <a:ea typeface="+mj-ea"/>
+              </a:rPr>
+              <a:t> 부분이 아주 </a:t>
+            </a:r>
+            <a:r>
+              <a:rPr lang="ko-KR" altLang="en-US" sz="1500" dirty="0" err="1">
+                <a:latin typeface="+mj-ea"/>
+                <a:ea typeface="+mj-ea"/>
+              </a:rPr>
+              <a:t>많다는걸</a:t>
+            </a:r>
+            <a:r>
+              <a:rPr lang="ko-KR" altLang="en-US" sz="1500" dirty="0">
+                <a:latin typeface="+mj-ea"/>
+                <a:ea typeface="+mj-ea"/>
+              </a:rPr>
+              <a:t> 깨닫게 되어 보람찬 시간이 되었습니다</a:t>
+            </a:r>
+            <a:r>
+              <a:rPr lang="en-US" altLang="ko-KR" sz="1500" dirty="0">
+                <a:latin typeface="+mj-ea"/>
+                <a:ea typeface="+mj-ea"/>
+              </a:rPr>
+              <a:t>.</a:t>
             </a:r>
             <a:endParaRPr lang="en-US" altLang="ko-KR" sz="1500" dirty="0" smtClean="0">
               <a:latin typeface="+mj-ea"/>
@@ -8018,11 +8095,7 @@
             </a:pPr>
             <a:r>
               <a:rPr lang="ko-KR" altLang="en-US" dirty="0" smtClean="0"/>
-              <a:t>느낀 </a:t>
-            </a:r>
-            <a:r>
-              <a:rPr lang="ko-KR" altLang="en-US" dirty="0" smtClean="0"/>
-              <a:t>점 과 아쉬운 점</a:t>
+              <a:t>느낀 점 과 아쉬운 점</a:t>
             </a:r>
             <a:endParaRPr lang="en-US" altLang="ko-KR" dirty="0"/>
           </a:p>
@@ -8430,7 +8503,7 @@
         <p:spPr>
           <a:xfrm>
             <a:off x="9104862" y="2122731"/>
-            <a:ext cx="2809702" cy="1246495"/>
+            <a:ext cx="2809702" cy="1938992"/>
           </a:xfrm>
           <a:prstGeom prst="rect">
             <a:avLst/>
@@ -8473,11 +8546,19 @@
             </a:pPr>
             <a:r>
               <a:rPr lang="ko-KR" altLang="en-US" sz="1500" dirty="0" smtClean="0"/>
-              <a:t>마이 페이지와 </a:t>
+              <a:t>메인 페이지</a:t>
+            </a:r>
+            <a:r>
+              <a:rPr lang="en-US" altLang="ko-KR" sz="1500" dirty="0" smtClean="0"/>
+              <a:t>,</a:t>
             </a:r>
             <a:r>
               <a:rPr lang="ko-KR" altLang="en-US" sz="1500" dirty="0" smtClean="0"/>
-              <a:t>방 입장</a:t>
+              <a:t> 마이 </a:t>
+            </a:r>
+            <a:r>
+              <a:rPr lang="ko-KR" altLang="en-US" sz="1500" dirty="0" smtClean="0"/>
+              <a:t>페이지와 방 입장</a:t>
             </a:r>
             <a:r>
               <a:rPr lang="en-US" altLang="ko-KR" sz="1500" dirty="0" smtClean="0"/>
@@ -8489,11 +8570,41 @@
             </a:r>
             <a:r>
               <a:rPr lang="ko-KR" altLang="en-US" sz="1500" dirty="0" smtClean="0"/>
-              <a:t>구</a:t>
+              <a:t>구현</a:t>
+            </a:r>
+            <a:endParaRPr lang="en-US" altLang="ko-KR" sz="1500" dirty="0" smtClean="0"/>
+          </a:p>
+          <a:p>
+            <a:pPr marL="285750" indent="-285750">
+              <a:buFont typeface="Arial" panose="020B0604020202020204" pitchFamily="34" charset="0"/>
+              <a:buChar char="•"/>
+            </a:pPr>
+            <a:endParaRPr lang="en-US" altLang="ko-KR" sz="1500" dirty="0"/>
+          </a:p>
+          <a:p>
+            <a:pPr marL="285750" indent="-285750">
+              <a:buFont typeface="Arial" panose="020B0604020202020204" pitchFamily="34" charset="0"/>
+              <a:buChar char="•"/>
+            </a:pPr>
+            <a:r>
+              <a:rPr lang="en-US" altLang="ko-KR" sz="1500" dirty="0" smtClean="0"/>
+              <a:t>APP</a:t>
             </a:r>
             <a:r>
               <a:rPr lang="ko-KR" altLang="en-US" sz="1500" dirty="0" smtClean="0"/>
-              <a:t>현</a:t>
+              <a:t>상 친구 초대 기능</a:t>
+            </a:r>
+            <a:r>
+              <a:rPr lang="en-US" altLang="ko-KR" sz="1500" dirty="0" smtClean="0"/>
+              <a:t>(</a:t>
+            </a:r>
+            <a:r>
+              <a:rPr lang="ko-KR" altLang="en-US" sz="1500" dirty="0" smtClean="0"/>
+              <a:t>현재 미 구현</a:t>
+            </a:r>
+            <a:r>
+              <a:rPr lang="en-US" altLang="ko-KR" sz="1500" dirty="0" smtClean="0"/>
+              <a:t>)</a:t>
             </a:r>
             <a:endParaRPr lang="en-US" altLang="ko-KR" sz="1500" dirty="0" smtClean="0"/>
           </a:p>
@@ -8604,7 +8715,6 @@
               <a:rPr lang="en-US" altLang="ko-KR" sz="1500" dirty="0" smtClean="0"/>
               <a:t> </a:t>
             </a:r>
-            <a:endParaRPr lang="en-US" altLang="ko-KR" sz="1500" dirty="0" smtClean="0"/>
           </a:p>
         </p:txBody>
       </p:sp>
@@ -8844,11 +8954,7 @@
             </a:r>
             <a:r>
               <a:rPr lang="ko-KR" altLang="en-US" sz="1500" dirty="0" smtClean="0"/>
-              <a:t>기능 </a:t>
-            </a:r>
-            <a:r>
-              <a:rPr lang="ko-KR" altLang="en-US" sz="1500" dirty="0" smtClean="0"/>
-              <a:t>구현</a:t>
+              <a:t>기능 구현</a:t>
             </a:r>
             <a:endParaRPr lang="en-US" altLang="ko-KR" sz="1500" dirty="0" smtClean="0"/>
           </a:p>
@@ -9004,14 +9110,7 @@
                 <a:latin typeface="+mj-ea"/>
                 <a:ea typeface="+mj-ea"/>
               </a:rPr>
-              <a:t>STS(back</a:t>
-            </a:r>
-            <a:r>
-              <a:rPr lang="en-US" altLang="ko-KR" sz="1500" dirty="0" smtClean="0">
-                <a:latin typeface="+mj-ea"/>
-                <a:ea typeface="+mj-ea"/>
-              </a:rPr>
-              <a:t>), VS Code(Front)</a:t>
+              <a:t>STS(back), VS Code(Front)</a:t>
             </a:r>
           </a:p>
           <a:p>
@@ -10357,18 +10456,20 @@
         <p:nvCxnSpPr>
           <p:cNvPr id="51" name="꺾인 연결선 50"/>
           <p:cNvCxnSpPr>
-            <a:stCxn id="45" idx="3"/>
-            <a:endCxn id="47" idx="1"/>
+            <a:stCxn id="36" idx="2"/>
+            <a:endCxn id="47" idx="0"/>
           </p:cNvCxnSpPr>
           <p:nvPr/>
         </p:nvCxnSpPr>
         <p:spPr>
-          <a:xfrm flipV="1">
-            <a:off x="6633558" y="3268197"/>
-            <a:ext cx="986447" cy="841441"/>
+          <a:xfrm rot="16200000" flipH="1">
+            <a:off x="8250045" y="2629195"/>
+            <a:ext cx="1025911" cy="3"/>
           </a:xfrm>
           <a:prstGeom prst="bentConnector3">
-            <a:avLst/>
+            <a:avLst>
+              <a:gd name="adj1" fmla="val 50000"/>
+            </a:avLst>
           </a:prstGeom>
           <a:ln>
             <a:solidFill>
@@ -10821,6 +10922,91 @@
           </a:p>
         </p:txBody>
       </p:sp>
+      <p:sp>
+        <p:nvSpPr>
+          <p:cNvPr id="36" name="모서리가 둥근 직사각형 35"/>
+          <p:cNvSpPr/>
+          <p:nvPr/>
+        </p:nvSpPr>
+        <p:spPr>
+          <a:xfrm>
+            <a:off x="7620002" y="1870228"/>
+            <a:ext cx="2285993" cy="246014"/>
+          </a:xfrm>
+          <a:prstGeom prst="roundRect">
+            <a:avLst/>
+          </a:prstGeom>
+          <a:solidFill>
+            <a:schemeClr val="bg1"/>
+          </a:solidFill>
+        </p:spPr>
+        <p:style>
+          <a:lnRef idx="2">
+            <a:schemeClr val="accent1">
+              <a:shade val="50000"/>
+            </a:schemeClr>
+          </a:lnRef>
+          <a:fillRef idx="1">
+            <a:schemeClr val="accent1"/>
+          </a:fillRef>
+          <a:effectRef idx="0">
+            <a:schemeClr val="accent1"/>
+          </a:effectRef>
+          <a:fontRef idx="minor">
+            <a:schemeClr val="lt1"/>
+          </a:fontRef>
+        </p:style>
+        <p:txBody>
+          <a:bodyPr rtlCol="0" anchor="ctr"/>
+          <a:lstStyle/>
+          <a:p>
+            <a:pPr algn="ctr"/>
+            <a:r>
+              <a:rPr lang="ko-KR" altLang="en-US" sz="1200" dirty="0" smtClean="0"/>
+              <a:t>초대 코드</a:t>
+            </a:r>
+            <a:endParaRPr lang="ko-KR" altLang="en-US" sz="1200" dirty="0"/>
+          </a:p>
+        </p:txBody>
+      </p:sp>
+      <p:cxnSp>
+        <p:nvCxnSpPr>
+          <p:cNvPr id="11" name="꺾인 연결선 10"/>
+          <p:cNvCxnSpPr>
+            <a:stCxn id="36" idx="1"/>
+            <a:endCxn id="45" idx="3"/>
+          </p:cNvCxnSpPr>
+          <p:nvPr/>
+        </p:nvCxnSpPr>
+        <p:spPr>
+          <a:xfrm rot="10800000" flipV="1">
+            <a:off x="6633558" y="1993234"/>
+            <a:ext cx="986444" cy="2116403"/>
+          </a:xfrm>
+          <a:prstGeom prst="bentConnector3">
+            <a:avLst/>
+          </a:prstGeom>
+          <a:ln>
+            <a:solidFill>
+              <a:srgbClr val="FFFF00"/>
+            </a:solidFill>
+          </a:ln>
+        </p:spPr>
+        <p:style>
+          <a:lnRef idx="1">
+            <a:schemeClr val="accent1"/>
+          </a:lnRef>
+          <a:fillRef idx="0">
+            <a:schemeClr val="accent1"/>
+          </a:fillRef>
+          <a:effectRef idx="0">
+            <a:schemeClr val="accent1"/>
+          </a:effectRef>
+          <a:fontRef idx="minor">
+            <a:schemeClr val="tx1"/>
+          </a:fontRef>
+        </p:style>
+      </p:cxnSp>
     </p:spTree>
     <p:extLst>
       <p:ext uri="{BB962C8B-B14F-4D97-AF65-F5344CB8AC3E}">
@@ -11092,8 +11278,8 @@
         </p:blipFill>
         <p:spPr>
           <a:xfrm>
-            <a:off x="254840" y="1142997"/>
-            <a:ext cx="11725666" cy="4959223"/>
+            <a:off x="254840" y="1665962"/>
+            <a:ext cx="11725666" cy="4248368"/>
           </a:xfrm>
           <a:prstGeom prst="rect">
             <a:avLst/>

--- a/JmcProject.pptx
+++ b/JmcProject.pptx
@@ -8554,11 +8554,7 @@
             </a:r>
             <a:r>
               <a:rPr lang="ko-KR" altLang="en-US" sz="1500" dirty="0" smtClean="0"/>
-              <a:t> 마이 </a:t>
-            </a:r>
-            <a:r>
-              <a:rPr lang="ko-KR" altLang="en-US" sz="1500" dirty="0" smtClean="0"/>
-              <a:t>페이지와 방 입장</a:t>
+              <a:t> 마이 페이지와 방 입장</a:t>
             </a:r>
             <a:r>
               <a:rPr lang="en-US" altLang="ko-KR" sz="1500" dirty="0" smtClean="0"/>
@@ -8566,11 +8562,7 @@
             </a:r>
             <a:r>
               <a:rPr lang="ko-KR" altLang="en-US" sz="1500" dirty="0" smtClean="0"/>
-              <a:t>퇴장 </a:t>
-            </a:r>
-            <a:r>
-              <a:rPr lang="ko-KR" altLang="en-US" sz="1500" dirty="0" smtClean="0"/>
-              <a:t>구현</a:t>
+              <a:t>퇴장 구현</a:t>
             </a:r>
             <a:endParaRPr lang="en-US" altLang="ko-KR" sz="1500" dirty="0" smtClean="0"/>
           </a:p>
@@ -8606,7 +8598,6 @@
               <a:rPr lang="en-US" altLang="ko-KR" sz="1500" dirty="0" smtClean="0"/>
               <a:t>)</a:t>
             </a:r>
-            <a:endParaRPr lang="en-US" altLang="ko-KR" sz="1500" dirty="0" smtClean="0"/>
           </a:p>
         </p:txBody>
       </p:sp>
@@ -11742,7 +11733,7 @@
       </p:pic>
       <p:pic>
         <p:nvPicPr>
-          <p:cNvPr id="13" name="그림 12"/>
+          <p:cNvPr id="15" name="그림 14"/>
           <p:cNvPicPr>
             <a:picLocks noChangeAspect="1"/>
           </p:cNvPicPr>
@@ -11756,17 +11747,141 @@
         </p:blipFill>
         <p:spPr>
           <a:xfrm>
-            <a:off x="6230196" y="1438100"/>
-            <a:ext cx="2726957" cy="4481575"/>
+            <a:off x="233118" y="1438101"/>
+            <a:ext cx="2636550" cy="4481575"/>
           </a:xfrm>
           <a:prstGeom prst="rect">
             <a:avLst/>
           </a:prstGeom>
         </p:spPr>
       </p:pic>
+      <p:sp>
+        <p:nvSpPr>
+          <p:cNvPr id="16" name="TextBox 15"/>
+          <p:cNvSpPr txBox="1"/>
+          <p:nvPr/>
+        </p:nvSpPr>
+        <p:spPr>
+          <a:xfrm>
+            <a:off x="349135" y="922713"/>
+            <a:ext cx="2335876" cy="374072"/>
+          </a:xfrm>
+          <a:prstGeom prst="rect">
+            <a:avLst/>
+          </a:prstGeom>
+          <a:noFill/>
+        </p:spPr>
+        <p:txBody>
+          <a:bodyPr wrap="square" rtlCol="0">
+            <a:spAutoFit/>
+          </a:bodyPr>
+          <a:lstStyle/>
+          <a:p>
+            <a:pPr algn="ctr"/>
+            <a:r>
+              <a:rPr lang="ko-KR" altLang="en-US" dirty="0" smtClean="0"/>
+              <a:t>방장</a:t>
+            </a:r>
+            <a:endParaRPr lang="ko-KR" altLang="en-US" dirty="0"/>
+          </a:p>
+        </p:txBody>
+      </p:sp>
+      <p:sp>
+        <p:nvSpPr>
+          <p:cNvPr id="17" name="TextBox 16"/>
+          <p:cNvSpPr txBox="1"/>
+          <p:nvPr/>
+        </p:nvSpPr>
+        <p:spPr>
+          <a:xfrm>
+            <a:off x="3466407" y="922713"/>
+            <a:ext cx="2244437" cy="374072"/>
+          </a:xfrm>
+          <a:prstGeom prst="rect">
+            <a:avLst/>
+          </a:prstGeom>
+          <a:noFill/>
+        </p:spPr>
+        <p:txBody>
+          <a:bodyPr wrap="square" rtlCol="0">
+            <a:spAutoFit/>
+          </a:bodyPr>
+          <a:lstStyle/>
+          <a:p>
+            <a:pPr algn="ctr"/>
+            <a:r>
+              <a:rPr lang="ko-KR" altLang="en-US" dirty="0" err="1" smtClean="0"/>
+              <a:t>룰렛</a:t>
+            </a:r>
+            <a:endParaRPr lang="ko-KR" altLang="en-US" dirty="0"/>
+          </a:p>
+        </p:txBody>
+      </p:sp>
+      <p:sp>
+        <p:nvSpPr>
+          <p:cNvPr id="18" name="TextBox 17"/>
+          <p:cNvSpPr txBox="1"/>
+          <p:nvPr/>
+        </p:nvSpPr>
+        <p:spPr>
+          <a:xfrm>
+            <a:off x="6330403" y="922713"/>
+            <a:ext cx="2726957" cy="369332"/>
+          </a:xfrm>
+          <a:prstGeom prst="rect">
+            <a:avLst/>
+          </a:prstGeom>
+          <a:noFill/>
+        </p:spPr>
+        <p:txBody>
+          <a:bodyPr wrap="square" rtlCol="0">
+            <a:spAutoFit/>
+          </a:bodyPr>
+          <a:lstStyle/>
+          <a:p>
+            <a:pPr algn="ctr"/>
+            <a:r>
+              <a:rPr lang="ko-KR" altLang="en-US" dirty="0" smtClean="0"/>
+              <a:t>결과 창</a:t>
+            </a:r>
+            <a:endParaRPr lang="ko-KR" altLang="en-US" dirty="0"/>
+          </a:p>
+        </p:txBody>
+      </p:sp>
+      <p:sp>
+        <p:nvSpPr>
+          <p:cNvPr id="19" name="TextBox 18"/>
+          <p:cNvSpPr txBox="1"/>
+          <p:nvPr/>
+        </p:nvSpPr>
+        <p:spPr>
+          <a:xfrm>
+            <a:off x="9283408" y="906088"/>
+            <a:ext cx="2726957" cy="369332"/>
+          </a:xfrm>
+          <a:prstGeom prst="rect">
+            <a:avLst/>
+          </a:prstGeom>
+          <a:noFill/>
+        </p:spPr>
+        <p:txBody>
+          <a:bodyPr wrap="square" rtlCol="0">
+            <a:spAutoFit/>
+          </a:bodyPr>
+          <a:lstStyle/>
+          <a:p>
+            <a:pPr algn="ctr"/>
+            <a:r>
+              <a:rPr lang="ko-KR" altLang="en-US" dirty="0" smtClean="0"/>
+              <a:t>가게 정보</a:t>
+            </a:r>
+            <a:endParaRPr lang="ko-KR" altLang="en-US" dirty="0"/>
+          </a:p>
+        </p:txBody>
+      </p:sp>
       <p:pic>
         <p:nvPicPr>
-          <p:cNvPr id="14" name="그림 13"/>
+          <p:cNvPr id="4" name="그림 3"/>
           <p:cNvPicPr>
             <a:picLocks noChangeAspect="1"/>
           </p:cNvPicPr>
@@ -11780,8 +11895,8 @@
         </p:blipFill>
         <p:spPr>
           <a:xfrm>
-            <a:off x="9484159" y="1438100"/>
-            <a:ext cx="2325456" cy="4554450"/>
+            <a:off x="9453045" y="1438100"/>
+            <a:ext cx="2520000" cy="4481576"/>
           </a:xfrm>
           <a:prstGeom prst="rect">
             <a:avLst/>
@@ -11790,7 +11905,7 @@
       </p:pic>
       <p:pic>
         <p:nvPicPr>
-          <p:cNvPr id="15" name="그림 14"/>
+          <p:cNvPr id="5" name="그림 4"/>
           <p:cNvPicPr>
             <a:picLocks noChangeAspect="1"/>
           </p:cNvPicPr>
@@ -11804,138 +11919,14 @@
         </p:blipFill>
         <p:spPr>
           <a:xfrm>
-            <a:off x="233118" y="1438101"/>
-            <a:ext cx="2636550" cy="4481575"/>
+            <a:off x="6363251" y="1438100"/>
+            <a:ext cx="2587336" cy="4482000"/>
           </a:xfrm>
           <a:prstGeom prst="rect">
             <a:avLst/>
           </a:prstGeom>
         </p:spPr>
       </p:pic>
-      <p:sp>
-        <p:nvSpPr>
-          <p:cNvPr id="16" name="TextBox 15"/>
-          <p:cNvSpPr txBox="1"/>
-          <p:nvPr/>
-        </p:nvSpPr>
-        <p:spPr>
-          <a:xfrm>
-            <a:off x="349135" y="922713"/>
-            <a:ext cx="2335876" cy="374072"/>
-          </a:xfrm>
-          <a:prstGeom prst="rect">
-            <a:avLst/>
-          </a:prstGeom>
-          <a:noFill/>
-        </p:spPr>
-        <p:txBody>
-          <a:bodyPr wrap="square" rtlCol="0">
-            <a:spAutoFit/>
-          </a:bodyPr>
-          <a:lstStyle/>
-          <a:p>
-            <a:pPr algn="ctr"/>
-            <a:r>
-              <a:rPr lang="ko-KR" altLang="en-US" dirty="0" smtClean="0"/>
-              <a:t>방장</a:t>
-            </a:r>
-            <a:endParaRPr lang="ko-KR" altLang="en-US" dirty="0"/>
-          </a:p>
-        </p:txBody>
-      </p:sp>
-      <p:sp>
-        <p:nvSpPr>
-          <p:cNvPr id="17" name="TextBox 16"/>
-          <p:cNvSpPr txBox="1"/>
-          <p:nvPr/>
-        </p:nvSpPr>
-        <p:spPr>
-          <a:xfrm>
-            <a:off x="3466407" y="922713"/>
-            <a:ext cx="2244437" cy="374072"/>
-          </a:xfrm>
-          <a:prstGeom prst="rect">
-            <a:avLst/>
-          </a:prstGeom>
-          <a:noFill/>
-        </p:spPr>
-        <p:txBody>
-          <a:bodyPr wrap="square" rtlCol="0">
-            <a:spAutoFit/>
-          </a:bodyPr>
-          <a:lstStyle/>
-          <a:p>
-            <a:pPr algn="ctr"/>
-            <a:r>
-              <a:rPr lang="ko-KR" altLang="en-US" dirty="0" err="1" smtClean="0"/>
-              <a:t>룰렛</a:t>
-            </a:r>
-            <a:endParaRPr lang="ko-KR" altLang="en-US" dirty="0"/>
-          </a:p>
-        </p:txBody>
-      </p:sp>
-      <p:sp>
-        <p:nvSpPr>
-          <p:cNvPr id="18" name="TextBox 17"/>
-          <p:cNvSpPr txBox="1"/>
-          <p:nvPr/>
-        </p:nvSpPr>
-        <p:spPr>
-          <a:xfrm>
-            <a:off x="6230195" y="922713"/>
-            <a:ext cx="2726957" cy="369332"/>
-          </a:xfrm>
-          <a:prstGeom prst="rect">
-            <a:avLst/>
-          </a:prstGeom>
-          <a:noFill/>
-        </p:spPr>
-        <p:txBody>
-          <a:bodyPr wrap="square" rtlCol="0">
-            <a:spAutoFit/>
-          </a:bodyPr>
-          <a:lstStyle/>
-          <a:p>
-            <a:pPr algn="ctr"/>
-            <a:r>
-              <a:rPr lang="ko-KR" altLang="en-US" dirty="0" smtClean="0"/>
-              <a:t>결과 창</a:t>
-            </a:r>
-            <a:endParaRPr lang="ko-KR" altLang="en-US" dirty="0"/>
-          </a:p>
-        </p:txBody>
-      </p:sp>
-      <p:sp>
-        <p:nvSpPr>
-          <p:cNvPr id="19" name="TextBox 18"/>
-          <p:cNvSpPr txBox="1"/>
-          <p:nvPr/>
-        </p:nvSpPr>
-        <p:spPr>
-          <a:xfrm>
-            <a:off x="9283408" y="906088"/>
-            <a:ext cx="2726957" cy="369332"/>
-          </a:xfrm>
-          <a:prstGeom prst="rect">
-            <a:avLst/>
-          </a:prstGeom>
-          <a:noFill/>
-        </p:spPr>
-        <p:txBody>
-          <a:bodyPr wrap="square" rtlCol="0">
-            <a:spAutoFit/>
-          </a:bodyPr>
-          <a:lstStyle/>
-          <a:p>
-            <a:pPr algn="ctr"/>
-            <a:r>
-              <a:rPr lang="ko-KR" altLang="en-US" dirty="0" smtClean="0"/>
-              <a:t>가게 정보</a:t>
-            </a:r>
-            <a:endParaRPr lang="ko-KR" altLang="en-US" dirty="0"/>
-          </a:p>
-        </p:txBody>
-      </p:sp>
     </p:spTree>
     <p:extLst>
       <p:ext uri="{BB962C8B-B14F-4D97-AF65-F5344CB8AC3E}">

--- a/JmcProject.pptx
+++ b/JmcProject.pptx
@@ -9482,13 +9482,13 @@
       </p:sp>
       <p:sp>
         <p:nvSpPr>
-          <p:cNvPr id="3" name="모서리가 둥근 직사각형 2"/>
+          <p:cNvPr id="10" name="모서리가 둥근 직사각형 9"/>
           <p:cNvSpPr/>
           <p:nvPr/>
         </p:nvSpPr>
         <p:spPr>
           <a:xfrm>
-            <a:off x="4372498" y="512685"/>
+            <a:off x="3676231" y="2453600"/>
             <a:ext cx="2310926" cy="252088"/>
           </a:xfrm>
           <a:prstGeom prst="roundRect">
@@ -9521,34 +9521,913 @@
             <a:pPr algn="ctr"/>
             <a:r>
               <a:rPr lang="ko-KR" altLang="en-US" sz="1200" dirty="0" smtClean="0"/>
-              <a:t>로그인 </a:t>
-            </a:r>
-            <a:r>
-              <a:rPr lang="en-US" altLang="ko-KR" sz="1200" dirty="0" smtClean="0"/>
-              <a:t>/ </a:t>
-            </a:r>
-            <a:r>
-              <a:rPr lang="ko-KR" altLang="en-US" sz="1200" dirty="0" smtClean="0"/>
-              <a:t>회원가입</a:t>
-            </a:r>
-            <a:endParaRPr lang="ko-KR" altLang="en-US" sz="1200" dirty="0"/>
-          </a:p>
-        </p:txBody>
-      </p:sp>
-      <p:sp>
-        <p:nvSpPr>
-          <p:cNvPr id="4" name="모서리가 둥근 직사각형 3"/>
+              <a:t>메인</a:t>
+            </a:r>
+            <a:endParaRPr lang="en-US" altLang="ko-KR" sz="1200" dirty="0" smtClean="0"/>
+          </a:p>
+        </p:txBody>
+      </p:sp>
+      <p:cxnSp>
+        <p:nvCxnSpPr>
+          <p:cNvPr id="12" name="꺾인 연결선 11"/>
+          <p:cNvCxnSpPr>
+            <a:stCxn id="3" idx="3"/>
+            <a:endCxn id="10" idx="1"/>
+          </p:cNvCxnSpPr>
+          <p:nvPr/>
+        </p:nvCxnSpPr>
+        <p:spPr>
+          <a:xfrm flipV="1">
+            <a:off x="2698955" y="2579644"/>
+            <a:ext cx="977276" cy="2665"/>
+          </a:xfrm>
+          <a:prstGeom prst="bentConnector3">
+            <a:avLst>
+              <a:gd name="adj1" fmla="val 50000"/>
+            </a:avLst>
+          </a:prstGeom>
+          <a:ln>
+            <a:solidFill>
+              <a:srgbClr val="FFFF00"/>
+            </a:solidFill>
+          </a:ln>
+        </p:spPr>
+        <p:style>
+          <a:lnRef idx="1">
+            <a:schemeClr val="accent1"/>
+          </a:lnRef>
+          <a:fillRef idx="0">
+            <a:schemeClr val="accent1"/>
+          </a:fillRef>
+          <a:effectRef idx="0">
+            <a:schemeClr val="accent1"/>
+          </a:effectRef>
+          <a:fontRef idx="minor">
+            <a:schemeClr val="tx1"/>
+          </a:fontRef>
+        </p:style>
+      </p:cxnSp>
+      <p:grpSp>
+        <p:nvGrpSpPr>
+          <p:cNvPr id="6" name="그룹 5"/>
+          <p:cNvGrpSpPr/>
+          <p:nvPr/>
+        </p:nvGrpSpPr>
+        <p:grpSpPr>
+          <a:xfrm>
+            <a:off x="388029" y="2456265"/>
+            <a:ext cx="2310926" cy="1052770"/>
+            <a:chOff x="4372498" y="512685"/>
+            <a:chExt cx="2310926" cy="1052770"/>
+          </a:xfrm>
+        </p:grpSpPr>
+        <p:sp>
+          <p:nvSpPr>
+            <p:cNvPr id="3" name="모서리가 둥근 직사각형 2"/>
+            <p:cNvSpPr/>
+            <p:nvPr/>
+          </p:nvSpPr>
+          <p:spPr>
+            <a:xfrm>
+              <a:off x="4372498" y="512685"/>
+              <a:ext cx="2310926" cy="252088"/>
+            </a:xfrm>
+            <a:prstGeom prst="roundRect">
+              <a:avLst/>
+            </a:prstGeom>
+            <a:solidFill>
+              <a:schemeClr val="bg1"/>
+            </a:solidFill>
+          </p:spPr>
+          <p:style>
+            <a:lnRef idx="2">
+              <a:schemeClr val="accent1">
+                <a:shade val="50000"/>
+              </a:schemeClr>
+            </a:lnRef>
+            <a:fillRef idx="1">
+              <a:schemeClr val="accent1"/>
+            </a:fillRef>
+            <a:effectRef idx="0">
+              <a:schemeClr val="accent1"/>
+            </a:effectRef>
+            <a:fontRef idx="minor">
+              <a:schemeClr val="lt1"/>
+            </a:fontRef>
+          </p:style>
+          <p:txBody>
+            <a:bodyPr rtlCol="0" anchor="ctr"/>
+            <a:lstStyle/>
+            <a:p>
+              <a:pPr algn="ctr"/>
+              <a:r>
+                <a:rPr lang="ko-KR" altLang="en-US" sz="1200" dirty="0" smtClean="0"/>
+                <a:t>로그인 </a:t>
+              </a:r>
+              <a:r>
+                <a:rPr lang="en-US" altLang="ko-KR" sz="1200" dirty="0" smtClean="0"/>
+                <a:t>/ </a:t>
+              </a:r>
+              <a:r>
+                <a:rPr lang="ko-KR" altLang="en-US" sz="1200" dirty="0" smtClean="0"/>
+                <a:t>회원가입</a:t>
+              </a:r>
+              <a:endParaRPr lang="ko-KR" altLang="en-US" sz="1200" dirty="0"/>
+            </a:p>
+          </p:txBody>
+        </p:sp>
+        <p:sp>
+          <p:nvSpPr>
+            <p:cNvPr id="4" name="모서리가 둥근 직사각형 3"/>
+            <p:cNvSpPr/>
+            <p:nvPr/>
+          </p:nvSpPr>
+          <p:spPr>
+            <a:xfrm>
+              <a:off x="4372498" y="779108"/>
+              <a:ext cx="2310926" cy="246014"/>
+            </a:xfrm>
+            <a:prstGeom prst="roundRect">
+              <a:avLst/>
+            </a:prstGeom>
+          </p:spPr>
+          <p:style>
+            <a:lnRef idx="2">
+              <a:schemeClr val="accent1">
+                <a:shade val="50000"/>
+              </a:schemeClr>
+            </a:lnRef>
+            <a:fillRef idx="1">
+              <a:schemeClr val="accent1"/>
+            </a:fillRef>
+            <a:effectRef idx="0">
+              <a:schemeClr val="accent1"/>
+            </a:effectRef>
+            <a:fontRef idx="minor">
+              <a:schemeClr val="lt1"/>
+            </a:fontRef>
+          </p:style>
+          <p:txBody>
+            <a:bodyPr rtlCol="0" anchor="ctr"/>
+            <a:lstStyle/>
+            <a:p>
+              <a:pPr algn="ctr"/>
+              <a:r>
+                <a:rPr lang="ko-KR" altLang="en-US" sz="1200" dirty="0" smtClean="0"/>
+                <a:t>로그인 </a:t>
+              </a:r>
+              <a:r>
+                <a:rPr lang="en-US" altLang="ko-KR" sz="1200" dirty="0" smtClean="0"/>
+                <a:t>(SNS </a:t>
+              </a:r>
+              <a:r>
+                <a:rPr lang="ko-KR" altLang="en-US" sz="1200" dirty="0" smtClean="0"/>
+                <a:t>포함</a:t>
+              </a:r>
+              <a:r>
+                <a:rPr lang="en-US" altLang="ko-KR" sz="1200" dirty="0" smtClean="0"/>
+                <a:t>)</a:t>
+              </a:r>
+              <a:endParaRPr lang="ko-KR" altLang="en-US" sz="1200" dirty="0"/>
+            </a:p>
+          </p:txBody>
+        </p:sp>
+        <p:sp>
+          <p:nvSpPr>
+            <p:cNvPr id="5" name="모서리가 둥근 직사각형 4"/>
+            <p:cNvSpPr/>
+            <p:nvPr/>
+          </p:nvSpPr>
+          <p:spPr>
+            <a:xfrm>
+              <a:off x="4372498" y="1045118"/>
+              <a:ext cx="2310926" cy="246014"/>
+            </a:xfrm>
+            <a:prstGeom prst="roundRect">
+              <a:avLst/>
+            </a:prstGeom>
+          </p:spPr>
+          <p:style>
+            <a:lnRef idx="2">
+              <a:schemeClr val="accent1">
+                <a:shade val="50000"/>
+              </a:schemeClr>
+            </a:lnRef>
+            <a:fillRef idx="1">
+              <a:schemeClr val="accent1"/>
+            </a:fillRef>
+            <a:effectRef idx="0">
+              <a:schemeClr val="accent1"/>
+            </a:effectRef>
+            <a:fontRef idx="minor">
+              <a:schemeClr val="lt1"/>
+            </a:fontRef>
+          </p:style>
+          <p:txBody>
+            <a:bodyPr rtlCol="0" anchor="ctr"/>
+            <a:lstStyle/>
+            <a:p>
+              <a:pPr algn="ctr"/>
+              <a:r>
+                <a:rPr lang="ko-KR" altLang="en-US" sz="1200" dirty="0" smtClean="0"/>
+                <a:t>회원가입 </a:t>
+              </a:r>
+              <a:r>
+                <a:rPr lang="en-US" altLang="ko-KR" sz="1200" dirty="0" smtClean="0"/>
+                <a:t>(SNS </a:t>
+              </a:r>
+              <a:r>
+                <a:rPr lang="ko-KR" altLang="en-US" sz="1200" dirty="0" smtClean="0"/>
+                <a:t>포함</a:t>
+              </a:r>
+              <a:r>
+                <a:rPr lang="en-US" altLang="ko-KR" sz="1200" dirty="0" smtClean="0"/>
+                <a:t>)</a:t>
+              </a:r>
+              <a:endParaRPr lang="ko-KR" altLang="en-US" sz="1200" dirty="0"/>
+            </a:p>
+          </p:txBody>
+        </p:sp>
+        <p:sp>
+          <p:nvSpPr>
+            <p:cNvPr id="16" name="모서리가 둥근 직사각형 15"/>
+            <p:cNvSpPr/>
+            <p:nvPr/>
+          </p:nvSpPr>
+          <p:spPr>
+            <a:xfrm>
+              <a:off x="4372498" y="1319441"/>
+              <a:ext cx="2310926" cy="246014"/>
+            </a:xfrm>
+            <a:prstGeom prst="roundRect">
+              <a:avLst/>
+            </a:prstGeom>
+          </p:spPr>
+          <p:style>
+            <a:lnRef idx="2">
+              <a:schemeClr val="accent1">
+                <a:shade val="50000"/>
+              </a:schemeClr>
+            </a:lnRef>
+            <a:fillRef idx="1">
+              <a:schemeClr val="accent1"/>
+            </a:fillRef>
+            <a:effectRef idx="0">
+              <a:schemeClr val="accent1"/>
+            </a:effectRef>
+            <a:fontRef idx="minor">
+              <a:schemeClr val="lt1"/>
+            </a:fontRef>
+          </p:style>
+          <p:txBody>
+            <a:bodyPr rtlCol="0" anchor="ctr"/>
+            <a:lstStyle/>
+            <a:p>
+              <a:pPr algn="ctr"/>
+              <a:r>
+                <a:rPr lang="ko-KR" altLang="en-US" sz="1200" dirty="0" smtClean="0"/>
+                <a:t>아이디 </a:t>
+              </a:r>
+              <a:r>
+                <a:rPr lang="en-US" altLang="ko-KR" sz="1200" dirty="0" smtClean="0"/>
+                <a:t>/ </a:t>
+              </a:r>
+              <a:r>
+                <a:rPr lang="ko-KR" altLang="en-US" sz="1200" dirty="0" smtClean="0"/>
+                <a:t>비밀번호 찾기</a:t>
+              </a:r>
+              <a:endParaRPr lang="ko-KR" altLang="en-US" sz="1200" dirty="0"/>
+            </a:p>
+          </p:txBody>
+        </p:sp>
+      </p:grpSp>
+      <p:grpSp>
+        <p:nvGrpSpPr>
+          <p:cNvPr id="13" name="그룹 12"/>
+          <p:cNvGrpSpPr/>
+          <p:nvPr/>
+        </p:nvGrpSpPr>
+        <p:grpSpPr>
+          <a:xfrm>
+            <a:off x="3686645" y="2968702"/>
+            <a:ext cx="2300512" cy="819298"/>
+            <a:chOff x="1446422" y="2956621"/>
+            <a:chExt cx="1487970" cy="819298"/>
+          </a:xfrm>
+        </p:grpSpPr>
+        <p:sp>
+          <p:nvSpPr>
+            <p:cNvPr id="19" name="모서리가 둥근 직사각형 18"/>
+            <p:cNvSpPr/>
+            <p:nvPr/>
+          </p:nvSpPr>
+          <p:spPr>
+            <a:xfrm>
+              <a:off x="1446422" y="2956621"/>
+              <a:ext cx="1487970" cy="252088"/>
+            </a:xfrm>
+            <a:prstGeom prst="roundRect">
+              <a:avLst/>
+            </a:prstGeom>
+            <a:solidFill>
+              <a:schemeClr val="bg1"/>
+            </a:solidFill>
+          </p:spPr>
+          <p:style>
+            <a:lnRef idx="2">
+              <a:schemeClr val="accent1">
+                <a:shade val="50000"/>
+              </a:schemeClr>
+            </a:lnRef>
+            <a:fillRef idx="1">
+              <a:schemeClr val="accent1"/>
+            </a:fillRef>
+            <a:effectRef idx="0">
+              <a:schemeClr val="accent1"/>
+            </a:effectRef>
+            <a:fontRef idx="minor">
+              <a:schemeClr val="lt1"/>
+            </a:fontRef>
+          </p:style>
+          <p:txBody>
+            <a:bodyPr rtlCol="0" anchor="ctr"/>
+            <a:lstStyle/>
+            <a:p>
+              <a:pPr algn="ctr"/>
+              <a:r>
+                <a:rPr lang="en-US" altLang="ko-KR" sz="1200" dirty="0" smtClean="0"/>
+                <a:t>My Page</a:t>
+              </a:r>
+            </a:p>
+          </p:txBody>
+        </p:sp>
+        <p:sp>
+          <p:nvSpPr>
+            <p:cNvPr id="20" name="모서리가 둥근 직사각형 19"/>
+            <p:cNvSpPr/>
+            <p:nvPr/>
+          </p:nvSpPr>
+          <p:spPr>
+            <a:xfrm>
+              <a:off x="1446422" y="3246300"/>
+              <a:ext cx="1487970" cy="246014"/>
+            </a:xfrm>
+            <a:prstGeom prst="roundRect">
+              <a:avLst/>
+            </a:prstGeom>
+          </p:spPr>
+          <p:style>
+            <a:lnRef idx="2">
+              <a:schemeClr val="accent1">
+                <a:shade val="50000"/>
+              </a:schemeClr>
+            </a:lnRef>
+            <a:fillRef idx="1">
+              <a:schemeClr val="accent1"/>
+            </a:fillRef>
+            <a:effectRef idx="0">
+              <a:schemeClr val="accent1"/>
+            </a:effectRef>
+            <a:fontRef idx="minor">
+              <a:schemeClr val="lt1"/>
+            </a:fontRef>
+          </p:style>
+          <p:txBody>
+            <a:bodyPr rtlCol="0" anchor="ctr"/>
+            <a:lstStyle/>
+            <a:p>
+              <a:pPr algn="ctr"/>
+              <a:r>
+                <a:rPr lang="ko-KR" altLang="en-US" sz="1200" dirty="0" smtClean="0"/>
+                <a:t>정보수정</a:t>
+              </a:r>
+              <a:endParaRPr lang="ko-KR" altLang="en-US" sz="1200" dirty="0"/>
+            </a:p>
+          </p:txBody>
+        </p:sp>
+        <p:sp>
+          <p:nvSpPr>
+            <p:cNvPr id="21" name="모서리가 둥근 직사각형 20"/>
+            <p:cNvSpPr/>
+            <p:nvPr/>
+          </p:nvSpPr>
+          <p:spPr>
+            <a:xfrm>
+              <a:off x="1446422" y="3529905"/>
+              <a:ext cx="1487970" cy="246014"/>
+            </a:xfrm>
+            <a:prstGeom prst="roundRect">
+              <a:avLst/>
+            </a:prstGeom>
+          </p:spPr>
+          <p:style>
+            <a:lnRef idx="2">
+              <a:schemeClr val="accent1">
+                <a:shade val="50000"/>
+              </a:schemeClr>
+            </a:lnRef>
+            <a:fillRef idx="1">
+              <a:schemeClr val="accent1"/>
+            </a:fillRef>
+            <a:effectRef idx="0">
+              <a:schemeClr val="accent1"/>
+            </a:effectRef>
+            <a:fontRef idx="minor">
+              <a:schemeClr val="lt1"/>
+            </a:fontRef>
+          </p:style>
+          <p:txBody>
+            <a:bodyPr rtlCol="0" anchor="ctr"/>
+            <a:lstStyle/>
+            <a:p>
+              <a:pPr algn="ctr"/>
+              <a:r>
+                <a:rPr lang="ko-KR" altLang="en-US" sz="1200" dirty="0" smtClean="0"/>
+                <a:t>로그아웃</a:t>
+              </a:r>
+              <a:endParaRPr lang="ko-KR" altLang="en-US" sz="1200" dirty="0"/>
+            </a:p>
+          </p:txBody>
+        </p:sp>
+      </p:grpSp>
+      <p:cxnSp>
+        <p:nvCxnSpPr>
+          <p:cNvPr id="25" name="꺾인 연결선 24"/>
+          <p:cNvCxnSpPr>
+            <a:stCxn id="10" idx="2"/>
+            <a:endCxn id="19" idx="0"/>
+          </p:cNvCxnSpPr>
+          <p:nvPr/>
+        </p:nvCxnSpPr>
+        <p:spPr>
+          <a:xfrm rot="16200000" flipH="1">
+            <a:off x="4702790" y="2834591"/>
+            <a:ext cx="263014" cy="5207"/>
+          </a:xfrm>
+          <a:prstGeom prst="bentConnector3">
+            <a:avLst>
+              <a:gd name="adj1" fmla="val 50000"/>
+            </a:avLst>
+          </a:prstGeom>
+          <a:ln>
+            <a:solidFill>
+              <a:srgbClr val="FFFF00"/>
+            </a:solidFill>
+          </a:ln>
+        </p:spPr>
+        <p:style>
+          <a:lnRef idx="1">
+            <a:schemeClr val="accent1"/>
+          </a:lnRef>
+          <a:fillRef idx="0">
+            <a:schemeClr val="accent1"/>
+          </a:fillRef>
+          <a:effectRef idx="0">
+            <a:schemeClr val="accent1"/>
+          </a:effectRef>
+          <a:fontRef idx="minor">
+            <a:schemeClr val="tx1"/>
+          </a:fontRef>
+        </p:style>
+      </p:cxnSp>
+      <p:cxnSp>
+        <p:nvCxnSpPr>
+          <p:cNvPr id="32" name="꺾인 연결선 31"/>
+          <p:cNvCxnSpPr>
+            <a:stCxn id="21" idx="2"/>
+            <a:endCxn id="28" idx="0"/>
+          </p:cNvCxnSpPr>
+          <p:nvPr/>
+        </p:nvCxnSpPr>
+        <p:spPr>
+          <a:xfrm rot="5400000">
+            <a:off x="4678816" y="3946085"/>
+            <a:ext cx="316170" cy="1"/>
+          </a:xfrm>
+          <a:prstGeom prst="bentConnector3">
+            <a:avLst>
+              <a:gd name="adj1" fmla="val 50000"/>
+            </a:avLst>
+          </a:prstGeom>
+          <a:ln>
+            <a:solidFill>
+              <a:srgbClr val="FFFF00"/>
+            </a:solidFill>
+          </a:ln>
+        </p:spPr>
+        <p:style>
+          <a:lnRef idx="1">
+            <a:schemeClr val="accent1"/>
+          </a:lnRef>
+          <a:fillRef idx="0">
+            <a:schemeClr val="accent1"/>
+          </a:fillRef>
+          <a:effectRef idx="0">
+            <a:schemeClr val="accent1"/>
+          </a:effectRef>
+          <a:fontRef idx="minor">
+            <a:schemeClr val="tx1"/>
+          </a:fontRef>
+        </p:style>
+      </p:cxnSp>
+      <p:cxnSp>
+        <p:nvCxnSpPr>
+          <p:cNvPr id="39" name="직선 연결선 38"/>
+          <p:cNvCxnSpPr>
+            <a:stCxn id="10" idx="3"/>
+            <a:endCxn id="37" idx="1"/>
+          </p:cNvCxnSpPr>
+          <p:nvPr/>
+        </p:nvCxnSpPr>
+        <p:spPr>
+          <a:xfrm>
+            <a:off x="5987157" y="2579644"/>
+            <a:ext cx="888107" cy="1427"/>
+          </a:xfrm>
+          <a:prstGeom prst="line">
+            <a:avLst/>
+          </a:prstGeom>
+          <a:ln>
+            <a:solidFill>
+              <a:srgbClr val="FFFF00"/>
+            </a:solidFill>
+          </a:ln>
+        </p:spPr>
+        <p:style>
+          <a:lnRef idx="1">
+            <a:schemeClr val="accent1"/>
+          </a:lnRef>
+          <a:fillRef idx="0">
+            <a:schemeClr val="accent1"/>
+          </a:fillRef>
+          <a:effectRef idx="0">
+            <a:schemeClr val="accent1"/>
+          </a:effectRef>
+          <a:fontRef idx="minor">
+            <a:schemeClr val="tx1"/>
+          </a:fontRef>
+        </p:style>
+      </p:cxnSp>
+      <p:grpSp>
+        <p:nvGrpSpPr>
+          <p:cNvPr id="14" name="그룹 13"/>
+          <p:cNvGrpSpPr/>
+          <p:nvPr/>
+        </p:nvGrpSpPr>
+        <p:grpSpPr>
+          <a:xfrm>
+            <a:off x="6866951" y="2455027"/>
+            <a:ext cx="2294306" cy="1090492"/>
+            <a:chOff x="4347565" y="3142153"/>
+            <a:chExt cx="2294306" cy="1090492"/>
+          </a:xfrm>
+        </p:grpSpPr>
+        <p:sp>
+          <p:nvSpPr>
+            <p:cNvPr id="37" name="모서리가 둥근 직사각형 36"/>
+            <p:cNvSpPr/>
+            <p:nvPr/>
+          </p:nvSpPr>
+          <p:spPr>
+            <a:xfrm>
+              <a:off x="4355878" y="3142153"/>
+              <a:ext cx="2285993" cy="252088"/>
+            </a:xfrm>
+            <a:prstGeom prst="roundRect">
+              <a:avLst/>
+            </a:prstGeom>
+            <a:solidFill>
+              <a:schemeClr val="bg1"/>
+            </a:solidFill>
+          </p:spPr>
+          <p:style>
+            <a:lnRef idx="2">
+              <a:schemeClr val="accent1">
+                <a:shade val="50000"/>
+              </a:schemeClr>
+            </a:lnRef>
+            <a:fillRef idx="1">
+              <a:schemeClr val="accent1"/>
+            </a:fillRef>
+            <a:effectRef idx="0">
+              <a:schemeClr val="accent1"/>
+            </a:effectRef>
+            <a:fontRef idx="minor">
+              <a:schemeClr val="lt1"/>
+            </a:fontRef>
+          </p:style>
+          <p:txBody>
+            <a:bodyPr rtlCol="0" anchor="ctr"/>
+            <a:lstStyle/>
+            <a:p>
+              <a:pPr algn="ctr"/>
+              <a:r>
+                <a:rPr lang="ko-KR" altLang="en-US" sz="1200" dirty="0" smtClean="0"/>
+                <a:t>카테고리 및 위치 선택</a:t>
+              </a:r>
+              <a:endParaRPr lang="en-US" altLang="ko-KR" sz="1200" dirty="0" smtClean="0"/>
+            </a:p>
+          </p:txBody>
+        </p:sp>
+        <p:sp>
+          <p:nvSpPr>
+            <p:cNvPr id="42" name="모서리가 둥근 직사각형 41"/>
+            <p:cNvSpPr/>
+            <p:nvPr/>
+          </p:nvSpPr>
+          <p:spPr>
+            <a:xfrm>
+              <a:off x="4355878" y="3413809"/>
+              <a:ext cx="2285993" cy="246014"/>
+            </a:xfrm>
+            <a:prstGeom prst="roundRect">
+              <a:avLst/>
+            </a:prstGeom>
+          </p:spPr>
+          <p:style>
+            <a:lnRef idx="2">
+              <a:schemeClr val="accent1">
+                <a:shade val="50000"/>
+              </a:schemeClr>
+            </a:lnRef>
+            <a:fillRef idx="1">
+              <a:schemeClr val="accent1"/>
+            </a:fillRef>
+            <a:effectRef idx="0">
+              <a:schemeClr val="accent1"/>
+            </a:effectRef>
+            <a:fontRef idx="minor">
+              <a:schemeClr val="lt1"/>
+            </a:fontRef>
+          </p:style>
+          <p:txBody>
+            <a:bodyPr rtlCol="0" anchor="ctr"/>
+            <a:lstStyle/>
+            <a:p>
+              <a:pPr algn="ctr"/>
+              <a:r>
+                <a:rPr lang="ko-KR" altLang="en-US" sz="1200" dirty="0" smtClean="0"/>
+                <a:t>위치 선택</a:t>
+              </a:r>
+              <a:endParaRPr lang="ko-KR" altLang="en-US" sz="1200" dirty="0"/>
+            </a:p>
+          </p:txBody>
+        </p:sp>
+        <p:sp>
+          <p:nvSpPr>
+            <p:cNvPr id="43" name="모서리가 둥근 직사각형 42"/>
+            <p:cNvSpPr/>
+            <p:nvPr/>
+          </p:nvSpPr>
+          <p:spPr>
+            <a:xfrm>
+              <a:off x="4355877" y="3698126"/>
+              <a:ext cx="2285993" cy="246014"/>
+            </a:xfrm>
+            <a:prstGeom prst="roundRect">
+              <a:avLst/>
+            </a:prstGeom>
+          </p:spPr>
+          <p:style>
+            <a:lnRef idx="2">
+              <a:schemeClr val="accent1">
+                <a:shade val="50000"/>
+              </a:schemeClr>
+            </a:lnRef>
+            <a:fillRef idx="1">
+              <a:schemeClr val="accent1"/>
+            </a:fillRef>
+            <a:effectRef idx="0">
+              <a:schemeClr val="accent1"/>
+            </a:effectRef>
+            <a:fontRef idx="minor">
+              <a:schemeClr val="lt1"/>
+            </a:fontRef>
+          </p:style>
+          <p:txBody>
+            <a:bodyPr rtlCol="0" anchor="ctr"/>
+            <a:lstStyle/>
+            <a:p>
+              <a:pPr algn="ctr"/>
+              <a:r>
+                <a:rPr lang="ko-KR" altLang="en-US" sz="1200" dirty="0" smtClean="0"/>
+                <a:t>카테고리 선택</a:t>
+              </a:r>
+              <a:endParaRPr lang="ko-KR" altLang="en-US" sz="1200" dirty="0"/>
+            </a:p>
+          </p:txBody>
+        </p:sp>
+        <p:sp>
+          <p:nvSpPr>
+            <p:cNvPr id="45" name="모서리가 둥근 직사각형 44"/>
+            <p:cNvSpPr/>
+            <p:nvPr/>
+          </p:nvSpPr>
+          <p:spPr>
+            <a:xfrm>
+              <a:off x="4347565" y="3986631"/>
+              <a:ext cx="2285993" cy="246014"/>
+            </a:xfrm>
+            <a:prstGeom prst="roundRect">
+              <a:avLst/>
+            </a:prstGeom>
+          </p:spPr>
+          <p:style>
+            <a:lnRef idx="2">
+              <a:schemeClr val="accent1">
+                <a:shade val="50000"/>
+              </a:schemeClr>
+            </a:lnRef>
+            <a:fillRef idx="1">
+              <a:schemeClr val="accent1"/>
+            </a:fillRef>
+            <a:effectRef idx="0">
+              <a:schemeClr val="accent1"/>
+            </a:effectRef>
+            <a:fontRef idx="minor">
+              <a:schemeClr val="lt1"/>
+            </a:fontRef>
+          </p:style>
+          <p:txBody>
+            <a:bodyPr rtlCol="0" anchor="ctr"/>
+            <a:lstStyle/>
+            <a:p>
+              <a:pPr algn="ctr"/>
+              <a:r>
+                <a:rPr lang="ko-KR" altLang="en-US" sz="1200" dirty="0" smtClean="0"/>
+                <a:t>초대 코드</a:t>
+              </a:r>
+              <a:endParaRPr lang="ko-KR" altLang="en-US" sz="1200" dirty="0"/>
+            </a:p>
+          </p:txBody>
+        </p:sp>
+      </p:grpSp>
+      <p:grpSp>
+        <p:nvGrpSpPr>
+          <p:cNvPr id="38" name="그룹 37"/>
+          <p:cNvGrpSpPr/>
+          <p:nvPr/>
+        </p:nvGrpSpPr>
+        <p:grpSpPr>
+          <a:xfrm>
+            <a:off x="9500250" y="3008685"/>
+            <a:ext cx="2285996" cy="517670"/>
+            <a:chOff x="7620002" y="3142153"/>
+            <a:chExt cx="2285996" cy="517670"/>
+          </a:xfrm>
+        </p:grpSpPr>
+        <p:sp>
+          <p:nvSpPr>
+            <p:cNvPr id="47" name="모서리가 둥근 직사각형 46"/>
+            <p:cNvSpPr/>
+            <p:nvPr/>
+          </p:nvSpPr>
+          <p:spPr>
+            <a:xfrm>
+              <a:off x="7620005" y="3142153"/>
+              <a:ext cx="2285993" cy="252088"/>
+            </a:xfrm>
+            <a:prstGeom prst="roundRect">
+              <a:avLst/>
+            </a:prstGeom>
+            <a:solidFill>
+              <a:schemeClr val="bg1"/>
+            </a:solidFill>
+          </p:spPr>
+          <p:style>
+            <a:lnRef idx="2">
+              <a:schemeClr val="accent1">
+                <a:shade val="50000"/>
+              </a:schemeClr>
+            </a:lnRef>
+            <a:fillRef idx="1">
+              <a:schemeClr val="accent1"/>
+            </a:fillRef>
+            <a:effectRef idx="0">
+              <a:schemeClr val="accent1"/>
+            </a:effectRef>
+            <a:fontRef idx="minor">
+              <a:schemeClr val="lt1"/>
+            </a:fontRef>
+          </p:style>
+          <p:txBody>
+            <a:bodyPr rtlCol="0" anchor="ctr"/>
+            <a:lstStyle/>
+            <a:p>
+              <a:pPr algn="ctr"/>
+              <a:r>
+                <a:rPr lang="ko-KR" altLang="en-US" sz="1200" dirty="0" smtClean="0"/>
+                <a:t>게스트 </a:t>
+              </a:r>
+              <a:r>
+                <a:rPr lang="en-US" altLang="ko-KR" sz="1200" dirty="0" smtClean="0"/>
+                <a:t>Room</a:t>
+              </a:r>
+            </a:p>
+          </p:txBody>
+        </p:sp>
+        <p:sp>
+          <p:nvSpPr>
+            <p:cNvPr id="48" name="모서리가 둥근 직사각형 47"/>
+            <p:cNvSpPr/>
+            <p:nvPr/>
+          </p:nvSpPr>
+          <p:spPr>
+            <a:xfrm>
+              <a:off x="7620002" y="3413809"/>
+              <a:ext cx="2285993" cy="246014"/>
+            </a:xfrm>
+            <a:prstGeom prst="roundRect">
+              <a:avLst/>
+            </a:prstGeom>
+          </p:spPr>
+          <p:style>
+            <a:lnRef idx="2">
+              <a:schemeClr val="accent1">
+                <a:shade val="50000"/>
+              </a:schemeClr>
+            </a:lnRef>
+            <a:fillRef idx="1">
+              <a:schemeClr val="accent1"/>
+            </a:fillRef>
+            <a:effectRef idx="0">
+              <a:schemeClr val="accent1"/>
+            </a:effectRef>
+            <a:fontRef idx="minor">
+              <a:schemeClr val="lt1"/>
+            </a:fontRef>
+          </p:style>
+          <p:txBody>
+            <a:bodyPr rtlCol="0" anchor="ctr"/>
+            <a:lstStyle/>
+            <a:p>
+              <a:pPr algn="ctr"/>
+              <a:r>
+                <a:rPr lang="ko-KR" altLang="en-US" sz="1200" dirty="0" smtClean="0"/>
+                <a:t>카테고리 선택</a:t>
+              </a:r>
+              <a:endParaRPr lang="ko-KR" altLang="en-US" sz="1200" dirty="0"/>
+            </a:p>
+          </p:txBody>
+        </p:sp>
+      </p:grpSp>
+      <p:cxnSp>
+        <p:nvCxnSpPr>
+          <p:cNvPr id="51" name="꺾인 연결선 50"/>
+          <p:cNvCxnSpPr>
+            <a:stCxn id="36" idx="2"/>
+            <a:endCxn id="47" idx="0"/>
+          </p:cNvCxnSpPr>
+          <p:nvPr/>
+        </p:nvCxnSpPr>
+        <p:spPr>
+          <a:xfrm rot="5400000">
+            <a:off x="10502083" y="2864888"/>
+            <a:ext cx="284964" cy="2630"/>
+          </a:xfrm>
+          <a:prstGeom prst="bentConnector3">
+            <a:avLst>
+              <a:gd name="adj1" fmla="val 50000"/>
+            </a:avLst>
+          </a:prstGeom>
+          <a:ln>
+            <a:solidFill>
+              <a:srgbClr val="FFFF00"/>
+            </a:solidFill>
+          </a:ln>
+        </p:spPr>
+        <p:style>
+          <a:lnRef idx="1">
+            <a:schemeClr val="accent1"/>
+          </a:lnRef>
+          <a:fillRef idx="0">
+            <a:schemeClr val="accent1"/>
+          </a:fillRef>
+          <a:effectRef idx="0">
+            <a:schemeClr val="accent1"/>
+          </a:effectRef>
+          <a:fontRef idx="minor">
+            <a:schemeClr val="tx1"/>
+          </a:fontRef>
+        </p:style>
+      </p:cxnSp>
+      <p:sp>
+        <p:nvSpPr>
+          <p:cNvPr id="53" name="모서리가 둥근 직사각형 52"/>
           <p:cNvSpPr/>
           <p:nvPr/>
         </p:nvSpPr>
         <p:spPr>
           <a:xfrm>
-            <a:off x="4372498" y="779108"/>
-            <a:ext cx="2310926" cy="246014"/>
+            <a:off x="6876626" y="4104170"/>
+            <a:ext cx="2285993" cy="252088"/>
           </a:xfrm>
           <a:prstGeom prst="roundRect">
             <a:avLst/>
           </a:prstGeom>
+          <a:solidFill>
+            <a:schemeClr val="bg1"/>
+          </a:solidFill>
         </p:spPr>
         <p:style>
           <a:lnRef idx="2">
@@ -9572,39 +10451,33 @@
           <a:p>
             <a:pPr algn="ctr"/>
             <a:r>
-              <a:rPr lang="ko-KR" altLang="en-US" sz="1200" dirty="0" smtClean="0"/>
-              <a:t>로그인 </a:t>
+              <a:rPr lang="en-US" altLang="ko-KR" sz="1200" dirty="0"/>
+              <a:t>R</a:t>
             </a:r>
             <a:r>
               <a:rPr lang="en-US" altLang="ko-KR" sz="1200" dirty="0" smtClean="0"/>
-              <a:t>(SNS </a:t>
-            </a:r>
-            <a:r>
-              <a:rPr lang="ko-KR" altLang="en-US" sz="1200" dirty="0" smtClean="0"/>
-              <a:t>포함</a:t>
-            </a:r>
-            <a:r>
-              <a:rPr lang="en-US" altLang="ko-KR" sz="1200" dirty="0" smtClean="0"/>
-              <a:t>)</a:t>
-            </a:r>
-            <a:endParaRPr lang="ko-KR" altLang="en-US" sz="1200" dirty="0"/>
-          </a:p>
-        </p:txBody>
-      </p:sp>
-      <p:sp>
-        <p:nvSpPr>
-          <p:cNvPr id="5" name="모서리가 둥근 직사각형 4"/>
+              <a:t>oulette</a:t>
+            </a:r>
+          </a:p>
+        </p:txBody>
+      </p:sp>
+      <p:sp>
+        <p:nvSpPr>
+          <p:cNvPr id="55" name="모서리가 둥근 직사각형 54"/>
           <p:cNvSpPr/>
           <p:nvPr/>
         </p:nvSpPr>
         <p:spPr>
           <a:xfrm>
-            <a:off x="4372498" y="1045118"/>
-            <a:ext cx="2310926" cy="246014"/>
+            <a:off x="8171628" y="5026341"/>
+            <a:ext cx="2285993" cy="252088"/>
           </a:xfrm>
           <a:prstGeom prst="roundRect">
             <a:avLst/>
           </a:prstGeom>
+          <a:solidFill>
+            <a:schemeClr val="bg1"/>
+          </a:solidFill>
         </p:spPr>
         <p:style>
           <a:lnRef idx="2">
@@ -9628,35 +10501,65 @@
           <a:p>
             <a:pPr algn="ctr"/>
             <a:r>
+              <a:rPr lang="en-US" altLang="ko-KR" sz="1200" dirty="0" smtClean="0"/>
+              <a:t>Roulette</a:t>
+            </a:r>
+            <a:r>
               <a:rPr lang="ko-KR" altLang="en-US" sz="1200" dirty="0" smtClean="0"/>
-              <a:t>회원가입 </a:t>
-            </a:r>
-            <a:r>
-              <a:rPr lang="en-US" altLang="ko-KR" sz="1200" dirty="0" smtClean="0"/>
-              <a:t>(SNS </a:t>
-            </a:r>
-            <a:r>
-              <a:rPr lang="ko-KR" altLang="en-US" sz="1200" dirty="0" smtClean="0"/>
-              <a:t>포함</a:t>
-            </a:r>
-            <a:r>
-              <a:rPr lang="en-US" altLang="ko-KR" sz="1200" dirty="0" smtClean="0"/>
-              <a:t>)</a:t>
-            </a:r>
-            <a:endParaRPr lang="ko-KR" altLang="en-US" sz="1200" dirty="0"/>
-          </a:p>
-        </p:txBody>
-      </p:sp>
-      <p:sp>
-        <p:nvSpPr>
-          <p:cNvPr id="10" name="모서리가 둥근 직사각형 9"/>
+              <a:t> 결과</a:t>
+            </a:r>
+            <a:endParaRPr lang="en-US" altLang="ko-KR" sz="1200" dirty="0" smtClean="0"/>
+          </a:p>
+        </p:txBody>
+      </p:sp>
+      <p:cxnSp>
+        <p:nvCxnSpPr>
+          <p:cNvPr id="57" name="직선 연결선 56"/>
+          <p:cNvCxnSpPr>
+            <a:stCxn id="45" idx="2"/>
+            <a:endCxn id="53" idx="0"/>
+          </p:cNvCxnSpPr>
+          <p:nvPr/>
+        </p:nvCxnSpPr>
+        <p:spPr>
+          <a:xfrm>
+            <a:off x="8009948" y="3545519"/>
+            <a:ext cx="9675" cy="558651"/>
+          </a:xfrm>
+          <a:prstGeom prst="line">
+            <a:avLst/>
+          </a:prstGeom>
+          <a:ln>
+            <a:solidFill>
+              <a:srgbClr val="FFFF00"/>
+            </a:solidFill>
+          </a:ln>
+        </p:spPr>
+        <p:style>
+          <a:lnRef idx="1">
+            <a:schemeClr val="accent1"/>
+          </a:lnRef>
+          <a:fillRef idx="0">
+            <a:schemeClr val="accent1"/>
+          </a:fillRef>
+          <a:effectRef idx="0">
+            <a:schemeClr val="accent1"/>
+          </a:effectRef>
+          <a:fontRef idx="minor">
+            <a:schemeClr val="tx1"/>
+          </a:fontRef>
+        </p:style>
+      </p:cxnSp>
+      <p:sp>
+        <p:nvSpPr>
+          <p:cNvPr id="62" name="모서리가 둥근 직사각형 61"/>
           <p:cNvSpPr/>
           <p:nvPr/>
         </p:nvSpPr>
         <p:spPr>
           <a:xfrm>
-            <a:off x="4347565" y="2540985"/>
-            <a:ext cx="2310926" cy="252088"/>
+            <a:off x="9500249" y="4106988"/>
+            <a:ext cx="2285993" cy="252088"/>
           </a:xfrm>
           <a:prstGeom prst="roundRect">
             <a:avLst/>
@@ -9687,8 +10590,12 @@
           <a:p>
             <a:pPr algn="ctr"/>
             <a:r>
+              <a:rPr lang="en-US" altLang="ko-KR" sz="1200" dirty="0" smtClean="0"/>
+              <a:t>Roulette</a:t>
+            </a:r>
+            <a:r>
               <a:rPr lang="ko-KR" altLang="en-US" sz="1200" dirty="0" smtClean="0"/>
-              <a:t>메인</a:t>
+              <a:t> 결과 대기</a:t>
             </a:r>
             <a:endParaRPr lang="en-US" altLang="ko-KR" sz="1200" dirty="0" smtClean="0"/>
           </a:p>
@@ -9696,990 +10603,17 @@
       </p:sp>
       <p:cxnSp>
         <p:nvCxnSpPr>
-          <p:cNvPr id="12" name="꺾인 연결선 11"/>
+          <p:cNvPr id="64" name="직선 연결선 63"/>
           <p:cNvCxnSpPr>
-            <a:stCxn id="3" idx="3"/>
-            <a:endCxn id="10" idx="0"/>
+            <a:stCxn id="48" idx="2"/>
+            <a:endCxn id="62" idx="0"/>
           </p:cNvCxnSpPr>
           <p:nvPr/>
         </p:nvCxnSpPr>
         <p:spPr>
           <a:xfrm flipH="1">
-            <a:off x="5503028" y="638729"/>
-            <a:ext cx="1180396" cy="1902256"/>
-          </a:xfrm>
-          <a:prstGeom prst="bentConnector4">
-            <a:avLst>
-              <a:gd name="adj1" fmla="val -19366"/>
-              <a:gd name="adj2" fmla="val 53313"/>
-            </a:avLst>
-          </a:prstGeom>
-          <a:ln>
-            <a:solidFill>
-              <a:srgbClr val="FFFF00"/>
-            </a:solidFill>
-          </a:ln>
-        </p:spPr>
-        <p:style>
-          <a:lnRef idx="1">
-            <a:schemeClr val="accent1"/>
-          </a:lnRef>
-          <a:fillRef idx="0">
-            <a:schemeClr val="accent1"/>
-          </a:fillRef>
-          <a:effectRef idx="0">
-            <a:schemeClr val="accent1"/>
-          </a:effectRef>
-          <a:fontRef idx="minor">
-            <a:schemeClr val="tx1"/>
-          </a:fontRef>
-        </p:style>
-      </p:cxnSp>
-      <p:sp>
-        <p:nvSpPr>
-          <p:cNvPr id="16" name="모서리가 둥근 직사각형 15"/>
-          <p:cNvSpPr/>
-          <p:nvPr/>
-        </p:nvSpPr>
-        <p:spPr>
-          <a:xfrm>
-            <a:off x="4372498" y="1319441"/>
-            <a:ext cx="2310926" cy="246014"/>
-          </a:xfrm>
-          <a:prstGeom prst="roundRect">
-            <a:avLst/>
-          </a:prstGeom>
-        </p:spPr>
-        <p:style>
-          <a:lnRef idx="2">
-            <a:schemeClr val="accent1">
-              <a:shade val="50000"/>
-            </a:schemeClr>
-          </a:lnRef>
-          <a:fillRef idx="1">
-            <a:schemeClr val="accent1"/>
-          </a:fillRef>
-          <a:effectRef idx="0">
-            <a:schemeClr val="accent1"/>
-          </a:effectRef>
-          <a:fontRef idx="minor">
-            <a:schemeClr val="lt1"/>
-          </a:fontRef>
-        </p:style>
-        <p:txBody>
-          <a:bodyPr rtlCol="0" anchor="ctr"/>
-          <a:lstStyle/>
-          <a:p>
-            <a:pPr algn="ctr"/>
-            <a:r>
-              <a:rPr lang="ko-KR" altLang="en-US" sz="1200" dirty="0" smtClean="0"/>
-              <a:t>아이디 </a:t>
-            </a:r>
-            <a:r>
-              <a:rPr lang="en-US" altLang="ko-KR" sz="1200" dirty="0" smtClean="0"/>
-              <a:t>/ </a:t>
-            </a:r>
-            <a:r>
-              <a:rPr lang="ko-KR" altLang="en-US" sz="1200" dirty="0" smtClean="0"/>
-              <a:t>비밀번호 찾기</a:t>
-            </a:r>
-            <a:endParaRPr lang="ko-KR" altLang="en-US" sz="1200" dirty="0"/>
-          </a:p>
-        </p:txBody>
-      </p:sp>
-      <p:sp>
-        <p:nvSpPr>
-          <p:cNvPr id="19" name="모서리가 둥근 직사각형 18"/>
-          <p:cNvSpPr/>
-          <p:nvPr/>
-        </p:nvSpPr>
-        <p:spPr>
-          <a:xfrm>
-            <a:off x="1446422" y="2956621"/>
-            <a:ext cx="1487970" cy="252088"/>
-          </a:xfrm>
-          <a:prstGeom prst="roundRect">
-            <a:avLst/>
-          </a:prstGeom>
-          <a:solidFill>
-            <a:schemeClr val="bg1"/>
-          </a:solidFill>
-        </p:spPr>
-        <p:style>
-          <a:lnRef idx="2">
-            <a:schemeClr val="accent1">
-              <a:shade val="50000"/>
-            </a:schemeClr>
-          </a:lnRef>
-          <a:fillRef idx="1">
-            <a:schemeClr val="accent1"/>
-          </a:fillRef>
-          <a:effectRef idx="0">
-            <a:schemeClr val="accent1"/>
-          </a:effectRef>
-          <a:fontRef idx="minor">
-            <a:schemeClr val="lt1"/>
-          </a:fontRef>
-        </p:style>
-        <p:txBody>
-          <a:bodyPr rtlCol="0" anchor="ctr"/>
-          <a:lstStyle/>
-          <a:p>
-            <a:pPr algn="ctr"/>
-            <a:r>
-              <a:rPr lang="en-US" altLang="ko-KR" sz="1200" dirty="0" smtClean="0"/>
-              <a:t>My Page</a:t>
-            </a:r>
-          </a:p>
-        </p:txBody>
-      </p:sp>
-      <p:sp>
-        <p:nvSpPr>
-          <p:cNvPr id="20" name="모서리가 둥근 직사각형 19"/>
-          <p:cNvSpPr/>
-          <p:nvPr/>
-        </p:nvSpPr>
-        <p:spPr>
-          <a:xfrm>
-            <a:off x="1446422" y="3246300"/>
-            <a:ext cx="1487970" cy="246014"/>
-          </a:xfrm>
-          <a:prstGeom prst="roundRect">
-            <a:avLst/>
-          </a:prstGeom>
-        </p:spPr>
-        <p:style>
-          <a:lnRef idx="2">
-            <a:schemeClr val="accent1">
-              <a:shade val="50000"/>
-            </a:schemeClr>
-          </a:lnRef>
-          <a:fillRef idx="1">
-            <a:schemeClr val="accent1"/>
-          </a:fillRef>
-          <a:effectRef idx="0">
-            <a:schemeClr val="accent1"/>
-          </a:effectRef>
-          <a:fontRef idx="minor">
-            <a:schemeClr val="lt1"/>
-          </a:fontRef>
-        </p:style>
-        <p:txBody>
-          <a:bodyPr rtlCol="0" anchor="ctr"/>
-          <a:lstStyle/>
-          <a:p>
-            <a:pPr algn="ctr"/>
-            <a:r>
-              <a:rPr lang="ko-KR" altLang="en-US" sz="1200" dirty="0" smtClean="0"/>
-              <a:t>정보수정</a:t>
-            </a:r>
-            <a:endParaRPr lang="ko-KR" altLang="en-US" sz="1200" dirty="0"/>
-          </a:p>
-        </p:txBody>
-      </p:sp>
-      <p:sp>
-        <p:nvSpPr>
-          <p:cNvPr id="21" name="모서리가 둥근 직사각형 20"/>
-          <p:cNvSpPr/>
-          <p:nvPr/>
-        </p:nvSpPr>
-        <p:spPr>
-          <a:xfrm>
-            <a:off x="1446422" y="3529905"/>
-            <a:ext cx="1487970" cy="246014"/>
-          </a:xfrm>
-          <a:prstGeom prst="roundRect">
-            <a:avLst/>
-          </a:prstGeom>
-        </p:spPr>
-        <p:style>
-          <a:lnRef idx="2">
-            <a:schemeClr val="accent1">
-              <a:shade val="50000"/>
-            </a:schemeClr>
-          </a:lnRef>
-          <a:fillRef idx="1">
-            <a:schemeClr val="accent1"/>
-          </a:fillRef>
-          <a:effectRef idx="0">
-            <a:schemeClr val="accent1"/>
-          </a:effectRef>
-          <a:fontRef idx="minor">
-            <a:schemeClr val="lt1"/>
-          </a:fontRef>
-        </p:style>
-        <p:txBody>
-          <a:bodyPr rtlCol="0" anchor="ctr"/>
-          <a:lstStyle/>
-          <a:p>
-            <a:pPr algn="ctr"/>
-            <a:r>
-              <a:rPr lang="ko-KR" altLang="en-US" sz="1200" dirty="0" smtClean="0"/>
-              <a:t>로그아웃</a:t>
-            </a:r>
-            <a:endParaRPr lang="ko-KR" altLang="en-US" sz="1200" dirty="0"/>
-          </a:p>
-        </p:txBody>
-      </p:sp>
-      <p:cxnSp>
-        <p:nvCxnSpPr>
-          <p:cNvPr id="25" name="꺾인 연결선 24"/>
-          <p:cNvCxnSpPr>
-            <a:stCxn id="10" idx="1"/>
-            <a:endCxn id="19" idx="0"/>
-          </p:cNvCxnSpPr>
-          <p:nvPr/>
-        </p:nvCxnSpPr>
-        <p:spPr>
-          <a:xfrm rot="10800000" flipV="1">
-            <a:off x="2190407" y="2667029"/>
-            <a:ext cx="2157158" cy="289592"/>
-          </a:xfrm>
-          <a:prstGeom prst="bentConnector2">
-            <a:avLst/>
-          </a:prstGeom>
-          <a:ln>
-            <a:solidFill>
-              <a:srgbClr val="FFFF00"/>
-            </a:solidFill>
-          </a:ln>
-        </p:spPr>
-        <p:style>
-          <a:lnRef idx="1">
-            <a:schemeClr val="accent1"/>
-          </a:lnRef>
-          <a:fillRef idx="0">
-            <a:schemeClr val="accent1"/>
-          </a:fillRef>
-          <a:effectRef idx="0">
-            <a:schemeClr val="accent1"/>
-          </a:effectRef>
-          <a:fontRef idx="minor">
-            <a:schemeClr val="tx1"/>
-          </a:fontRef>
-        </p:style>
-      </p:cxnSp>
-      <p:sp>
-        <p:nvSpPr>
-          <p:cNvPr id="28" name="모서리가 둥근 직사각형 27"/>
-          <p:cNvSpPr/>
-          <p:nvPr/>
-        </p:nvSpPr>
-        <p:spPr>
-          <a:xfrm>
-            <a:off x="581899" y="4102511"/>
-            <a:ext cx="1487970" cy="246014"/>
-          </a:xfrm>
-          <a:prstGeom prst="roundRect">
-            <a:avLst/>
-          </a:prstGeom>
-          <a:solidFill>
-            <a:schemeClr val="bg1"/>
-          </a:solidFill>
-        </p:spPr>
-        <p:style>
-          <a:lnRef idx="2">
-            <a:schemeClr val="accent1">
-              <a:shade val="50000"/>
-            </a:schemeClr>
-          </a:lnRef>
-          <a:fillRef idx="1">
-            <a:schemeClr val="accent1"/>
-          </a:fillRef>
-          <a:effectRef idx="0">
-            <a:schemeClr val="accent1"/>
-          </a:effectRef>
-          <a:fontRef idx="minor">
-            <a:schemeClr val="lt1"/>
-          </a:fontRef>
-        </p:style>
-        <p:txBody>
-          <a:bodyPr rtlCol="0" anchor="ctr"/>
-          <a:lstStyle/>
-          <a:p>
-            <a:pPr algn="ctr"/>
-            <a:r>
-              <a:rPr lang="ko-KR" altLang="en-US" sz="1200" dirty="0" smtClean="0"/>
-              <a:t>정보수정</a:t>
-            </a:r>
-            <a:endParaRPr lang="ko-KR" altLang="en-US" sz="1200" dirty="0"/>
-          </a:p>
-        </p:txBody>
-      </p:sp>
-      <p:cxnSp>
-        <p:nvCxnSpPr>
-          <p:cNvPr id="32" name="꺾인 연결선 31"/>
-          <p:cNvCxnSpPr>
-            <a:stCxn id="20" idx="1"/>
-            <a:endCxn id="28" idx="0"/>
-          </p:cNvCxnSpPr>
-          <p:nvPr/>
-        </p:nvCxnSpPr>
-        <p:spPr>
-          <a:xfrm rot="10800000" flipV="1">
-            <a:off x="1325884" y="3369307"/>
-            <a:ext cx="120538" cy="733204"/>
-          </a:xfrm>
-          <a:prstGeom prst="bentConnector2">
-            <a:avLst/>
-          </a:prstGeom>
-          <a:ln>
-            <a:solidFill>
-              <a:srgbClr val="FFFF00"/>
-            </a:solidFill>
-          </a:ln>
-        </p:spPr>
-        <p:style>
-          <a:lnRef idx="1">
-            <a:schemeClr val="accent1"/>
-          </a:lnRef>
-          <a:fillRef idx="0">
-            <a:schemeClr val="accent1"/>
-          </a:fillRef>
-          <a:effectRef idx="0">
-            <a:schemeClr val="accent1"/>
-          </a:effectRef>
-          <a:fontRef idx="minor">
-            <a:schemeClr val="tx1"/>
-          </a:fontRef>
-        </p:style>
-      </p:cxnSp>
-      <p:sp>
-        <p:nvSpPr>
-          <p:cNvPr id="34" name="모서리가 둥근 직사각형 33"/>
-          <p:cNvSpPr/>
-          <p:nvPr/>
-        </p:nvSpPr>
-        <p:spPr>
-          <a:xfrm>
-            <a:off x="581899" y="4386116"/>
-            <a:ext cx="1487970" cy="246014"/>
-          </a:xfrm>
-          <a:prstGeom prst="roundRect">
-            <a:avLst/>
-          </a:prstGeom>
-        </p:spPr>
-        <p:style>
-          <a:lnRef idx="2">
-            <a:schemeClr val="accent1">
-              <a:shade val="50000"/>
-            </a:schemeClr>
-          </a:lnRef>
-          <a:fillRef idx="1">
-            <a:schemeClr val="accent1"/>
-          </a:fillRef>
-          <a:effectRef idx="0">
-            <a:schemeClr val="accent1"/>
-          </a:effectRef>
-          <a:fontRef idx="minor">
-            <a:schemeClr val="lt1"/>
-          </a:fontRef>
-        </p:style>
-        <p:txBody>
-          <a:bodyPr rtlCol="0" anchor="ctr"/>
-          <a:lstStyle/>
-          <a:p>
-            <a:pPr algn="ctr"/>
-            <a:r>
-              <a:rPr lang="ko-KR" altLang="en-US" sz="1200" dirty="0" smtClean="0"/>
-              <a:t>프로필 사진</a:t>
-            </a:r>
-            <a:endParaRPr lang="ko-KR" altLang="en-US" sz="1200" dirty="0"/>
-          </a:p>
-        </p:txBody>
-      </p:sp>
-      <p:sp>
-        <p:nvSpPr>
-          <p:cNvPr id="35" name="모서리가 둥근 직사각형 34"/>
-          <p:cNvSpPr/>
-          <p:nvPr/>
-        </p:nvSpPr>
-        <p:spPr>
-          <a:xfrm>
-            <a:off x="581899" y="4669721"/>
-            <a:ext cx="1487970" cy="246014"/>
-          </a:xfrm>
-          <a:prstGeom prst="roundRect">
-            <a:avLst/>
-          </a:prstGeom>
-        </p:spPr>
-        <p:style>
-          <a:lnRef idx="2">
-            <a:schemeClr val="accent1">
-              <a:shade val="50000"/>
-            </a:schemeClr>
-          </a:lnRef>
-          <a:fillRef idx="1">
-            <a:schemeClr val="accent1"/>
-          </a:fillRef>
-          <a:effectRef idx="0">
-            <a:schemeClr val="accent1"/>
-          </a:effectRef>
-          <a:fontRef idx="minor">
-            <a:schemeClr val="lt1"/>
-          </a:fontRef>
-        </p:style>
-        <p:txBody>
-          <a:bodyPr rtlCol="0" anchor="ctr"/>
-          <a:lstStyle/>
-          <a:p>
-            <a:pPr algn="ctr"/>
-            <a:r>
-              <a:rPr lang="ko-KR" altLang="en-US" sz="1200" dirty="0" smtClean="0"/>
-              <a:t>비밀번호 변경</a:t>
-            </a:r>
-            <a:endParaRPr lang="ko-KR" altLang="en-US" sz="1200" dirty="0"/>
-          </a:p>
-        </p:txBody>
-      </p:sp>
-      <p:sp>
-        <p:nvSpPr>
-          <p:cNvPr id="37" name="모서리가 둥근 직사각형 36"/>
-          <p:cNvSpPr/>
-          <p:nvPr/>
-        </p:nvSpPr>
-        <p:spPr>
-          <a:xfrm>
-            <a:off x="4355878" y="3142153"/>
-            <a:ext cx="2285993" cy="252088"/>
-          </a:xfrm>
-          <a:prstGeom prst="roundRect">
-            <a:avLst/>
-          </a:prstGeom>
-          <a:solidFill>
-            <a:schemeClr val="bg1"/>
-          </a:solidFill>
-        </p:spPr>
-        <p:style>
-          <a:lnRef idx="2">
-            <a:schemeClr val="accent1">
-              <a:shade val="50000"/>
-            </a:schemeClr>
-          </a:lnRef>
-          <a:fillRef idx="1">
-            <a:schemeClr val="accent1"/>
-          </a:fillRef>
-          <a:effectRef idx="0">
-            <a:schemeClr val="accent1"/>
-          </a:effectRef>
-          <a:fontRef idx="minor">
-            <a:schemeClr val="lt1"/>
-          </a:fontRef>
-        </p:style>
-        <p:txBody>
-          <a:bodyPr rtlCol="0" anchor="ctr"/>
-          <a:lstStyle/>
-          <a:p>
-            <a:pPr algn="ctr"/>
-            <a:r>
-              <a:rPr lang="ko-KR" altLang="en-US" sz="1200" dirty="0" smtClean="0"/>
-              <a:t>카테고리 및 위치 선택</a:t>
-            </a:r>
-            <a:endParaRPr lang="en-US" altLang="ko-KR" sz="1200" dirty="0" smtClean="0"/>
-          </a:p>
-        </p:txBody>
-      </p:sp>
-      <p:cxnSp>
-        <p:nvCxnSpPr>
-          <p:cNvPr id="39" name="직선 연결선 38"/>
-          <p:cNvCxnSpPr>
-            <a:stCxn id="10" idx="2"/>
-            <a:endCxn id="37" idx="0"/>
-          </p:cNvCxnSpPr>
-          <p:nvPr/>
-        </p:nvCxnSpPr>
-        <p:spPr>
-          <a:xfrm flipH="1">
-            <a:off x="5498875" y="2793073"/>
-            <a:ext cx="4153" cy="349080"/>
-          </a:xfrm>
-          <a:prstGeom prst="line">
-            <a:avLst/>
-          </a:prstGeom>
-          <a:ln>
-            <a:solidFill>
-              <a:srgbClr val="FFFF00"/>
-            </a:solidFill>
-          </a:ln>
-        </p:spPr>
-        <p:style>
-          <a:lnRef idx="1">
-            <a:schemeClr val="accent1"/>
-          </a:lnRef>
-          <a:fillRef idx="0">
-            <a:schemeClr val="accent1"/>
-          </a:fillRef>
-          <a:effectRef idx="0">
-            <a:schemeClr val="accent1"/>
-          </a:effectRef>
-          <a:fontRef idx="minor">
-            <a:schemeClr val="tx1"/>
-          </a:fontRef>
-        </p:style>
-      </p:cxnSp>
-      <p:sp>
-        <p:nvSpPr>
-          <p:cNvPr id="42" name="모서리가 둥근 직사각형 41"/>
-          <p:cNvSpPr/>
-          <p:nvPr/>
-        </p:nvSpPr>
-        <p:spPr>
-          <a:xfrm>
-            <a:off x="4355878" y="3413809"/>
-            <a:ext cx="2285993" cy="246014"/>
-          </a:xfrm>
-          <a:prstGeom prst="roundRect">
-            <a:avLst/>
-          </a:prstGeom>
-        </p:spPr>
-        <p:style>
-          <a:lnRef idx="2">
-            <a:schemeClr val="accent1">
-              <a:shade val="50000"/>
-            </a:schemeClr>
-          </a:lnRef>
-          <a:fillRef idx="1">
-            <a:schemeClr val="accent1"/>
-          </a:fillRef>
-          <a:effectRef idx="0">
-            <a:schemeClr val="accent1"/>
-          </a:effectRef>
-          <a:fontRef idx="minor">
-            <a:schemeClr val="lt1"/>
-          </a:fontRef>
-        </p:style>
-        <p:txBody>
-          <a:bodyPr rtlCol="0" anchor="ctr"/>
-          <a:lstStyle/>
-          <a:p>
-            <a:pPr algn="ctr"/>
-            <a:r>
-              <a:rPr lang="ko-KR" altLang="en-US" sz="1200" dirty="0" smtClean="0"/>
-              <a:t>위치 선택</a:t>
-            </a:r>
-            <a:endParaRPr lang="ko-KR" altLang="en-US" sz="1200" dirty="0"/>
-          </a:p>
-        </p:txBody>
-      </p:sp>
-      <p:sp>
-        <p:nvSpPr>
-          <p:cNvPr id="43" name="모서리가 둥근 직사각형 42"/>
-          <p:cNvSpPr/>
-          <p:nvPr/>
-        </p:nvSpPr>
-        <p:spPr>
-          <a:xfrm>
-            <a:off x="4355877" y="3698126"/>
-            <a:ext cx="2285993" cy="246014"/>
-          </a:xfrm>
-          <a:prstGeom prst="roundRect">
-            <a:avLst/>
-          </a:prstGeom>
-        </p:spPr>
-        <p:style>
-          <a:lnRef idx="2">
-            <a:schemeClr val="accent1">
-              <a:shade val="50000"/>
-            </a:schemeClr>
-          </a:lnRef>
-          <a:fillRef idx="1">
-            <a:schemeClr val="accent1"/>
-          </a:fillRef>
-          <a:effectRef idx="0">
-            <a:schemeClr val="accent1"/>
-          </a:effectRef>
-          <a:fontRef idx="minor">
-            <a:schemeClr val="lt1"/>
-          </a:fontRef>
-        </p:style>
-        <p:txBody>
-          <a:bodyPr rtlCol="0" anchor="ctr"/>
-          <a:lstStyle/>
-          <a:p>
-            <a:pPr algn="ctr"/>
-            <a:r>
-              <a:rPr lang="ko-KR" altLang="en-US" sz="1200" dirty="0" smtClean="0"/>
-              <a:t>카테고리 선택</a:t>
-            </a:r>
-            <a:endParaRPr lang="ko-KR" altLang="en-US" sz="1200" dirty="0"/>
-          </a:p>
-        </p:txBody>
-      </p:sp>
-      <p:sp>
-        <p:nvSpPr>
-          <p:cNvPr id="45" name="모서리가 둥근 직사각형 44"/>
-          <p:cNvSpPr/>
-          <p:nvPr/>
-        </p:nvSpPr>
-        <p:spPr>
-          <a:xfrm>
-            <a:off x="4347565" y="3986631"/>
-            <a:ext cx="2285993" cy="246014"/>
-          </a:xfrm>
-          <a:prstGeom prst="roundRect">
-            <a:avLst/>
-          </a:prstGeom>
-        </p:spPr>
-        <p:style>
-          <a:lnRef idx="2">
-            <a:schemeClr val="accent1">
-              <a:shade val="50000"/>
-            </a:schemeClr>
-          </a:lnRef>
-          <a:fillRef idx="1">
-            <a:schemeClr val="accent1"/>
-          </a:fillRef>
-          <a:effectRef idx="0">
-            <a:schemeClr val="accent1"/>
-          </a:effectRef>
-          <a:fontRef idx="minor">
-            <a:schemeClr val="lt1"/>
-          </a:fontRef>
-        </p:style>
-        <p:txBody>
-          <a:bodyPr rtlCol="0" anchor="ctr"/>
-          <a:lstStyle/>
-          <a:p>
-            <a:pPr algn="ctr"/>
-            <a:r>
-              <a:rPr lang="ko-KR" altLang="en-US" sz="1200" dirty="0" smtClean="0"/>
-              <a:t>초대 코드</a:t>
-            </a:r>
-            <a:endParaRPr lang="ko-KR" altLang="en-US" sz="1200" dirty="0"/>
-          </a:p>
-        </p:txBody>
-      </p:sp>
-      <p:sp>
-        <p:nvSpPr>
-          <p:cNvPr id="47" name="모서리가 둥근 직사각형 46"/>
-          <p:cNvSpPr/>
-          <p:nvPr/>
-        </p:nvSpPr>
-        <p:spPr>
-          <a:xfrm>
-            <a:off x="7620005" y="3142153"/>
-            <a:ext cx="2285993" cy="252088"/>
-          </a:xfrm>
-          <a:prstGeom prst="roundRect">
-            <a:avLst/>
-          </a:prstGeom>
-          <a:solidFill>
-            <a:schemeClr val="bg1"/>
-          </a:solidFill>
-        </p:spPr>
-        <p:style>
-          <a:lnRef idx="2">
-            <a:schemeClr val="accent1">
-              <a:shade val="50000"/>
-            </a:schemeClr>
-          </a:lnRef>
-          <a:fillRef idx="1">
-            <a:schemeClr val="accent1"/>
-          </a:fillRef>
-          <a:effectRef idx="0">
-            <a:schemeClr val="accent1"/>
-          </a:effectRef>
-          <a:fontRef idx="minor">
-            <a:schemeClr val="lt1"/>
-          </a:fontRef>
-        </p:style>
-        <p:txBody>
-          <a:bodyPr rtlCol="0" anchor="ctr"/>
-          <a:lstStyle/>
-          <a:p>
-            <a:pPr algn="ctr"/>
-            <a:r>
-              <a:rPr lang="ko-KR" altLang="en-US" sz="1200" dirty="0" smtClean="0"/>
-              <a:t>게스트 </a:t>
-            </a:r>
-            <a:r>
-              <a:rPr lang="en-US" altLang="ko-KR" sz="1200" dirty="0" smtClean="0"/>
-              <a:t>Room</a:t>
-            </a:r>
-          </a:p>
-        </p:txBody>
-      </p:sp>
-      <p:sp>
-        <p:nvSpPr>
-          <p:cNvPr id="48" name="모서리가 둥근 직사각형 47"/>
-          <p:cNvSpPr/>
-          <p:nvPr/>
-        </p:nvSpPr>
-        <p:spPr>
-          <a:xfrm>
-            <a:off x="7620002" y="3413809"/>
-            <a:ext cx="2285993" cy="246014"/>
-          </a:xfrm>
-          <a:prstGeom prst="roundRect">
-            <a:avLst/>
-          </a:prstGeom>
-        </p:spPr>
-        <p:style>
-          <a:lnRef idx="2">
-            <a:schemeClr val="accent1">
-              <a:shade val="50000"/>
-            </a:schemeClr>
-          </a:lnRef>
-          <a:fillRef idx="1">
-            <a:schemeClr val="accent1"/>
-          </a:fillRef>
-          <a:effectRef idx="0">
-            <a:schemeClr val="accent1"/>
-          </a:effectRef>
-          <a:fontRef idx="minor">
-            <a:schemeClr val="lt1"/>
-          </a:fontRef>
-        </p:style>
-        <p:txBody>
-          <a:bodyPr rtlCol="0" anchor="ctr"/>
-          <a:lstStyle/>
-          <a:p>
-            <a:pPr algn="ctr"/>
-            <a:r>
-              <a:rPr lang="ko-KR" altLang="en-US" sz="1200" dirty="0" smtClean="0"/>
-              <a:t>카테고리 선택</a:t>
-            </a:r>
-            <a:endParaRPr lang="ko-KR" altLang="en-US" sz="1200" dirty="0"/>
-          </a:p>
-        </p:txBody>
-      </p:sp>
-      <p:cxnSp>
-        <p:nvCxnSpPr>
-          <p:cNvPr id="51" name="꺾인 연결선 50"/>
-          <p:cNvCxnSpPr>
-            <a:stCxn id="36" idx="2"/>
-            <a:endCxn id="47" idx="0"/>
-          </p:cNvCxnSpPr>
-          <p:nvPr/>
-        </p:nvCxnSpPr>
-        <p:spPr>
-          <a:xfrm rot="16200000" flipH="1">
-            <a:off x="8250045" y="2629195"/>
-            <a:ext cx="1025911" cy="3"/>
-          </a:xfrm>
-          <a:prstGeom prst="bentConnector3">
-            <a:avLst>
-              <a:gd name="adj1" fmla="val 50000"/>
-            </a:avLst>
-          </a:prstGeom>
-          <a:ln>
-            <a:solidFill>
-              <a:srgbClr val="FFFF00"/>
-            </a:solidFill>
-          </a:ln>
-        </p:spPr>
-        <p:style>
-          <a:lnRef idx="1">
-            <a:schemeClr val="accent1"/>
-          </a:lnRef>
-          <a:fillRef idx="0">
-            <a:schemeClr val="accent1"/>
-          </a:fillRef>
-          <a:effectRef idx="0">
-            <a:schemeClr val="accent1"/>
-          </a:effectRef>
-          <a:fontRef idx="minor">
-            <a:schemeClr val="tx1"/>
-          </a:fontRef>
-        </p:style>
-      </p:cxnSp>
-      <p:sp>
-        <p:nvSpPr>
-          <p:cNvPr id="53" name="모서리가 둥근 직사각형 52"/>
-          <p:cNvSpPr/>
-          <p:nvPr/>
-        </p:nvSpPr>
-        <p:spPr>
-          <a:xfrm>
-            <a:off x="4339251" y="4792728"/>
-            <a:ext cx="2285993" cy="252088"/>
-          </a:xfrm>
-          <a:prstGeom prst="roundRect">
-            <a:avLst/>
-          </a:prstGeom>
-          <a:solidFill>
-            <a:schemeClr val="bg1"/>
-          </a:solidFill>
-        </p:spPr>
-        <p:style>
-          <a:lnRef idx="2">
-            <a:schemeClr val="accent1">
-              <a:shade val="50000"/>
-            </a:schemeClr>
-          </a:lnRef>
-          <a:fillRef idx="1">
-            <a:schemeClr val="accent1"/>
-          </a:fillRef>
-          <a:effectRef idx="0">
-            <a:schemeClr val="accent1"/>
-          </a:effectRef>
-          <a:fontRef idx="minor">
-            <a:schemeClr val="lt1"/>
-          </a:fontRef>
-        </p:style>
-        <p:txBody>
-          <a:bodyPr rtlCol="0" anchor="ctr"/>
-          <a:lstStyle/>
-          <a:p>
-            <a:pPr algn="ctr"/>
-            <a:r>
-              <a:rPr lang="en-US" altLang="ko-KR" sz="1200" dirty="0"/>
-              <a:t>R</a:t>
-            </a:r>
-            <a:r>
-              <a:rPr lang="en-US" altLang="ko-KR" sz="1200" dirty="0" smtClean="0"/>
-              <a:t>oulette</a:t>
-            </a:r>
-          </a:p>
-        </p:txBody>
-      </p:sp>
-      <p:sp>
-        <p:nvSpPr>
-          <p:cNvPr id="55" name="모서리가 둥근 직사각형 54"/>
-          <p:cNvSpPr/>
-          <p:nvPr/>
-        </p:nvSpPr>
-        <p:spPr>
-          <a:xfrm>
-            <a:off x="6276107" y="5426203"/>
-            <a:ext cx="2285993" cy="252088"/>
-          </a:xfrm>
-          <a:prstGeom prst="roundRect">
-            <a:avLst/>
-          </a:prstGeom>
-          <a:solidFill>
-            <a:schemeClr val="bg1"/>
-          </a:solidFill>
-        </p:spPr>
-        <p:style>
-          <a:lnRef idx="2">
-            <a:schemeClr val="accent1">
-              <a:shade val="50000"/>
-            </a:schemeClr>
-          </a:lnRef>
-          <a:fillRef idx="1">
-            <a:schemeClr val="accent1"/>
-          </a:fillRef>
-          <a:effectRef idx="0">
-            <a:schemeClr val="accent1"/>
-          </a:effectRef>
-          <a:fontRef idx="minor">
-            <a:schemeClr val="lt1"/>
-          </a:fontRef>
-        </p:style>
-        <p:txBody>
-          <a:bodyPr rtlCol="0" anchor="ctr"/>
-          <a:lstStyle/>
-          <a:p>
-            <a:pPr algn="ctr"/>
-            <a:r>
-              <a:rPr lang="en-US" altLang="ko-KR" sz="1200" dirty="0" smtClean="0"/>
-              <a:t>Roulette</a:t>
-            </a:r>
-            <a:r>
-              <a:rPr lang="ko-KR" altLang="en-US" sz="1200" dirty="0" smtClean="0"/>
-              <a:t> 결과</a:t>
-            </a:r>
-            <a:endParaRPr lang="en-US" altLang="ko-KR" sz="1200" dirty="0" smtClean="0"/>
-          </a:p>
-        </p:txBody>
-      </p:sp>
-      <p:cxnSp>
-        <p:nvCxnSpPr>
-          <p:cNvPr id="57" name="직선 연결선 56"/>
-          <p:cNvCxnSpPr/>
-          <p:nvPr/>
-        </p:nvCxnSpPr>
-        <p:spPr>
-          <a:xfrm>
-            <a:off x="5482248" y="4263109"/>
-            <a:ext cx="0" cy="529619"/>
-          </a:xfrm>
-          <a:prstGeom prst="line">
-            <a:avLst/>
-          </a:prstGeom>
-          <a:ln>
-            <a:solidFill>
-              <a:srgbClr val="FFFF00"/>
-            </a:solidFill>
-          </a:ln>
-        </p:spPr>
-        <p:style>
-          <a:lnRef idx="1">
-            <a:schemeClr val="accent1"/>
-          </a:lnRef>
-          <a:fillRef idx="0">
-            <a:schemeClr val="accent1"/>
-          </a:fillRef>
-          <a:effectRef idx="0">
-            <a:schemeClr val="accent1"/>
-          </a:effectRef>
-          <a:fontRef idx="minor">
-            <a:schemeClr val="tx1"/>
-          </a:fontRef>
-        </p:style>
-      </p:cxnSp>
-      <p:sp>
-        <p:nvSpPr>
-          <p:cNvPr id="62" name="모서리가 둥근 직사각형 61"/>
-          <p:cNvSpPr/>
-          <p:nvPr/>
-        </p:nvSpPr>
-        <p:spPr>
-          <a:xfrm>
-            <a:off x="7607535" y="4187840"/>
-            <a:ext cx="2285993" cy="252088"/>
-          </a:xfrm>
-          <a:prstGeom prst="roundRect">
-            <a:avLst/>
-          </a:prstGeom>
-          <a:solidFill>
-            <a:schemeClr val="bg1"/>
-          </a:solidFill>
-        </p:spPr>
-        <p:style>
-          <a:lnRef idx="2">
-            <a:schemeClr val="accent1">
-              <a:shade val="50000"/>
-            </a:schemeClr>
-          </a:lnRef>
-          <a:fillRef idx="1">
-            <a:schemeClr val="accent1"/>
-          </a:fillRef>
-          <a:effectRef idx="0">
-            <a:schemeClr val="accent1"/>
-          </a:effectRef>
-          <a:fontRef idx="minor">
-            <a:schemeClr val="lt1"/>
-          </a:fontRef>
-        </p:style>
-        <p:txBody>
-          <a:bodyPr rtlCol="0" anchor="ctr"/>
-          <a:lstStyle/>
-          <a:p>
-            <a:pPr algn="ctr"/>
-            <a:r>
-              <a:rPr lang="en-US" altLang="ko-KR" sz="1200" dirty="0" smtClean="0"/>
-              <a:t>Roulette</a:t>
-            </a:r>
-            <a:r>
-              <a:rPr lang="ko-KR" altLang="en-US" sz="1200" dirty="0" smtClean="0"/>
-              <a:t> 결과 대기</a:t>
-            </a:r>
-            <a:endParaRPr lang="en-US" altLang="ko-KR" sz="1200" dirty="0" smtClean="0"/>
-          </a:p>
-        </p:txBody>
-      </p:sp>
-      <p:cxnSp>
-        <p:nvCxnSpPr>
-          <p:cNvPr id="64" name="직선 연결선 63"/>
-          <p:cNvCxnSpPr/>
-          <p:nvPr/>
-        </p:nvCxnSpPr>
-        <p:spPr>
-          <a:xfrm>
-            <a:off x="8750532" y="3652912"/>
-            <a:ext cx="0" cy="529619"/>
+            <a:off x="10643246" y="3526355"/>
+            <a:ext cx="1" cy="580633"/>
           </a:xfrm>
           <a:prstGeom prst="line">
             <a:avLst/>
@@ -10716,8 +10650,8 @@
         </p:nvCxnSpPr>
         <p:spPr>
           <a:xfrm rot="16200000" flipH="1">
-            <a:off x="6259983" y="4267081"/>
-            <a:ext cx="381387" cy="1936856"/>
+            <a:off x="8332083" y="4043798"/>
+            <a:ext cx="670083" cy="1295002"/>
           </a:xfrm>
           <a:prstGeom prst="bentConnector3">
             <a:avLst/>
@@ -10754,8 +10688,8 @@
         </p:nvCxnSpPr>
         <p:spPr>
           <a:xfrm rot="5400000">
-            <a:off x="7591681" y="4267351"/>
-            <a:ext cx="986275" cy="1331428"/>
+            <a:off x="9645304" y="4028398"/>
+            <a:ext cx="667265" cy="1328621"/>
           </a:xfrm>
           <a:prstGeom prst="bentConnector3">
             <a:avLst/>
@@ -10789,7 +10723,7 @@
         </p:nvSpPr>
         <p:spPr>
           <a:xfrm>
-            <a:off x="6276106" y="6049582"/>
+            <a:off x="8171628" y="5640575"/>
             <a:ext cx="2285993" cy="252088"/>
           </a:xfrm>
           <a:prstGeom prst="roundRect">
@@ -10841,9 +10775,9 @@
           <p:nvPr/>
         </p:nvCxnSpPr>
         <p:spPr>
-          <a:xfrm flipH="1">
-            <a:off x="7419103" y="5678291"/>
-            <a:ext cx="1" cy="371291"/>
+          <a:xfrm>
+            <a:off x="9314625" y="5278429"/>
+            <a:ext cx="0" cy="362146"/>
           </a:xfrm>
           <a:prstGeom prst="line">
             <a:avLst/>
@@ -10869,20 +10803,217 @@
           </a:fontRef>
         </p:style>
       </p:cxnSp>
-      <p:sp>
-        <p:nvSpPr>
-          <p:cNvPr id="76" name="모서리가 둥근 직사각형 75"/>
+      <p:grpSp>
+        <p:nvGrpSpPr>
+          <p:cNvPr id="59" name="그룹 58"/>
+          <p:cNvGrpSpPr/>
+          <p:nvPr/>
+        </p:nvGrpSpPr>
+        <p:grpSpPr>
+          <a:xfrm>
+            <a:off x="3686643" y="4104170"/>
+            <a:ext cx="2300514" cy="1102225"/>
+            <a:chOff x="581899" y="4102511"/>
+            <a:chExt cx="1487970" cy="1102225"/>
+          </a:xfrm>
+        </p:grpSpPr>
+        <p:sp>
+          <p:nvSpPr>
+            <p:cNvPr id="28" name="모서리가 둥근 직사각형 27"/>
+            <p:cNvSpPr/>
+            <p:nvPr/>
+          </p:nvSpPr>
+          <p:spPr>
+            <a:xfrm>
+              <a:off x="581899" y="4102511"/>
+              <a:ext cx="1487970" cy="246014"/>
+            </a:xfrm>
+            <a:prstGeom prst="roundRect">
+              <a:avLst/>
+            </a:prstGeom>
+            <a:solidFill>
+              <a:schemeClr val="bg1"/>
+            </a:solidFill>
+          </p:spPr>
+          <p:style>
+            <a:lnRef idx="2">
+              <a:schemeClr val="accent1">
+                <a:shade val="50000"/>
+              </a:schemeClr>
+            </a:lnRef>
+            <a:fillRef idx="1">
+              <a:schemeClr val="accent1"/>
+            </a:fillRef>
+            <a:effectRef idx="0">
+              <a:schemeClr val="accent1"/>
+            </a:effectRef>
+            <a:fontRef idx="minor">
+              <a:schemeClr val="lt1"/>
+            </a:fontRef>
+          </p:style>
+          <p:txBody>
+            <a:bodyPr rtlCol="0" anchor="ctr"/>
+            <a:lstStyle/>
+            <a:p>
+              <a:pPr algn="ctr"/>
+              <a:r>
+                <a:rPr lang="ko-KR" altLang="en-US" sz="1200" dirty="0" smtClean="0"/>
+                <a:t>정보수정</a:t>
+              </a:r>
+              <a:endParaRPr lang="ko-KR" altLang="en-US" sz="1200" dirty="0"/>
+            </a:p>
+          </p:txBody>
+        </p:sp>
+        <p:sp>
+          <p:nvSpPr>
+            <p:cNvPr id="34" name="모서리가 둥근 직사각형 33"/>
+            <p:cNvSpPr/>
+            <p:nvPr/>
+          </p:nvSpPr>
+          <p:spPr>
+            <a:xfrm>
+              <a:off x="581899" y="4386116"/>
+              <a:ext cx="1487970" cy="246014"/>
+            </a:xfrm>
+            <a:prstGeom prst="roundRect">
+              <a:avLst/>
+            </a:prstGeom>
+          </p:spPr>
+          <p:style>
+            <a:lnRef idx="2">
+              <a:schemeClr val="accent1">
+                <a:shade val="50000"/>
+              </a:schemeClr>
+            </a:lnRef>
+            <a:fillRef idx="1">
+              <a:schemeClr val="accent1"/>
+            </a:fillRef>
+            <a:effectRef idx="0">
+              <a:schemeClr val="accent1"/>
+            </a:effectRef>
+            <a:fontRef idx="minor">
+              <a:schemeClr val="lt1"/>
+            </a:fontRef>
+          </p:style>
+          <p:txBody>
+            <a:bodyPr rtlCol="0" anchor="ctr"/>
+            <a:lstStyle/>
+            <a:p>
+              <a:pPr algn="ctr"/>
+              <a:r>
+                <a:rPr lang="ko-KR" altLang="en-US" sz="1200" dirty="0" smtClean="0"/>
+                <a:t>프로필 사진</a:t>
+              </a:r>
+              <a:endParaRPr lang="ko-KR" altLang="en-US" sz="1200" dirty="0"/>
+            </a:p>
+          </p:txBody>
+        </p:sp>
+        <p:sp>
+          <p:nvSpPr>
+            <p:cNvPr id="35" name="모서리가 둥근 직사각형 34"/>
+            <p:cNvSpPr/>
+            <p:nvPr/>
+          </p:nvSpPr>
+          <p:spPr>
+            <a:xfrm>
+              <a:off x="581899" y="4669721"/>
+              <a:ext cx="1487970" cy="246014"/>
+            </a:xfrm>
+            <a:prstGeom prst="roundRect">
+              <a:avLst/>
+            </a:prstGeom>
+          </p:spPr>
+          <p:style>
+            <a:lnRef idx="2">
+              <a:schemeClr val="accent1">
+                <a:shade val="50000"/>
+              </a:schemeClr>
+            </a:lnRef>
+            <a:fillRef idx="1">
+              <a:schemeClr val="accent1"/>
+            </a:fillRef>
+            <a:effectRef idx="0">
+              <a:schemeClr val="accent1"/>
+            </a:effectRef>
+            <a:fontRef idx="minor">
+              <a:schemeClr val="lt1"/>
+            </a:fontRef>
+          </p:style>
+          <p:txBody>
+            <a:bodyPr rtlCol="0" anchor="ctr"/>
+            <a:lstStyle/>
+            <a:p>
+              <a:pPr algn="ctr"/>
+              <a:r>
+                <a:rPr lang="ko-KR" altLang="en-US" sz="1200" dirty="0" smtClean="0"/>
+                <a:t>비밀번호 변경</a:t>
+              </a:r>
+              <a:endParaRPr lang="ko-KR" altLang="en-US" sz="1200" dirty="0"/>
+            </a:p>
+          </p:txBody>
+        </p:sp>
+        <p:sp>
+          <p:nvSpPr>
+            <p:cNvPr id="76" name="모서리가 둥근 직사각형 75"/>
+            <p:cNvSpPr/>
+            <p:nvPr/>
+          </p:nvSpPr>
+          <p:spPr>
+            <a:xfrm>
+              <a:off x="581899" y="4958722"/>
+              <a:ext cx="1487970" cy="246014"/>
+            </a:xfrm>
+            <a:prstGeom prst="roundRect">
+              <a:avLst/>
+            </a:prstGeom>
+          </p:spPr>
+          <p:style>
+            <a:lnRef idx="2">
+              <a:schemeClr val="accent1">
+                <a:shade val="50000"/>
+              </a:schemeClr>
+            </a:lnRef>
+            <a:fillRef idx="1">
+              <a:schemeClr val="accent1"/>
+            </a:fillRef>
+            <a:effectRef idx="0">
+              <a:schemeClr val="accent1"/>
+            </a:effectRef>
+            <a:fontRef idx="minor">
+              <a:schemeClr val="lt1"/>
+            </a:fontRef>
+          </p:style>
+          <p:txBody>
+            <a:bodyPr rtlCol="0" anchor="ctr"/>
+            <a:lstStyle/>
+            <a:p>
+              <a:pPr algn="ctr"/>
+              <a:r>
+                <a:rPr lang="ko-KR" altLang="en-US" sz="1200" dirty="0" smtClean="0"/>
+                <a:t>회원탈퇴</a:t>
+              </a:r>
+              <a:endParaRPr lang="ko-KR" altLang="en-US" sz="1200" dirty="0"/>
+            </a:p>
+          </p:txBody>
+        </p:sp>
+      </p:grpSp>
+      <p:sp>
+        <p:nvSpPr>
+          <p:cNvPr id="36" name="모서리가 둥근 직사각형 35"/>
           <p:cNvSpPr/>
           <p:nvPr/>
         </p:nvSpPr>
         <p:spPr>
           <a:xfrm>
-            <a:off x="581899" y="4958722"/>
-            <a:ext cx="1487970" cy="246014"/>
+            <a:off x="9502883" y="2477707"/>
+            <a:ext cx="2285993" cy="246014"/>
           </a:xfrm>
           <a:prstGeom prst="roundRect">
             <a:avLst/>
           </a:prstGeom>
+          <a:solidFill>
+            <a:schemeClr val="bg1"/>
+          </a:solidFill>
         </p:spPr>
         <p:style>
           <a:lnRef idx="2">
@@ -10907,53 +11038,6 @@
             <a:pPr algn="ctr"/>
             <a:r>
               <a:rPr lang="ko-KR" altLang="en-US" sz="1200" dirty="0" smtClean="0"/>
-              <a:t>회원탈퇴</a:t>
-            </a:r>
-            <a:endParaRPr lang="ko-KR" altLang="en-US" sz="1200" dirty="0"/>
-          </a:p>
-        </p:txBody>
-      </p:sp>
-      <p:sp>
-        <p:nvSpPr>
-          <p:cNvPr id="36" name="모서리가 둥근 직사각형 35"/>
-          <p:cNvSpPr/>
-          <p:nvPr/>
-        </p:nvSpPr>
-        <p:spPr>
-          <a:xfrm>
-            <a:off x="7620002" y="1870228"/>
-            <a:ext cx="2285993" cy="246014"/>
-          </a:xfrm>
-          <a:prstGeom prst="roundRect">
-            <a:avLst/>
-          </a:prstGeom>
-          <a:solidFill>
-            <a:schemeClr val="bg1"/>
-          </a:solidFill>
-        </p:spPr>
-        <p:style>
-          <a:lnRef idx="2">
-            <a:schemeClr val="accent1">
-              <a:shade val="50000"/>
-            </a:schemeClr>
-          </a:lnRef>
-          <a:fillRef idx="1">
-            <a:schemeClr val="accent1"/>
-          </a:fillRef>
-          <a:effectRef idx="0">
-            <a:schemeClr val="accent1"/>
-          </a:effectRef>
-          <a:fontRef idx="minor">
-            <a:schemeClr val="lt1"/>
-          </a:fontRef>
-        </p:style>
-        <p:txBody>
-          <a:bodyPr rtlCol="0" anchor="ctr"/>
-          <a:lstStyle/>
-          <a:p>
-            <a:pPr algn="ctr"/>
-            <a:r>
-              <a:rPr lang="ko-KR" altLang="en-US" sz="1200" dirty="0" smtClean="0"/>
               <a:t>초대 코드</a:t>
             </a:r>
             <a:endParaRPr lang="ko-KR" altLang="en-US" sz="1200" dirty="0"/>
@@ -10962,20 +11046,22 @@
       </p:sp>
       <p:cxnSp>
         <p:nvCxnSpPr>
-          <p:cNvPr id="11" name="꺾인 연결선 10"/>
+          <p:cNvPr id="78" name="꺾인 연결선 77"/>
           <p:cNvCxnSpPr>
-            <a:stCxn id="36" idx="1"/>
-            <a:endCxn id="45" idx="3"/>
+            <a:stCxn id="45" idx="3"/>
+            <a:endCxn id="36" idx="1"/>
           </p:cNvCxnSpPr>
           <p:nvPr/>
         </p:nvCxnSpPr>
         <p:spPr>
-          <a:xfrm rot="10800000" flipV="1">
-            <a:off x="6633558" y="1993234"/>
-            <a:ext cx="986444" cy="2116403"/>
+          <a:xfrm flipV="1">
+            <a:off x="9152944" y="2600714"/>
+            <a:ext cx="349939" cy="821798"/>
           </a:xfrm>
           <a:prstGeom prst="bentConnector3">
-            <a:avLst/>
+            <a:avLst>
+              <a:gd name="adj1" fmla="val 50000"/>
+            </a:avLst>
           </a:prstGeom>
           <a:ln>
             <a:solidFill>
